--- a/RVP1.pptx
+++ b/RVP1.pptx
@@ -7,19 +7,23 @@
     <p:sldMasterId id="2147483674" r:id="rId3"/>
   </p:sldMasterIdLst>
   <p:notesMasterIdLst>
-    <p:notesMasterId r:id="rId14"/>
+    <p:notesMasterId r:id="rId18"/>
   </p:notesMasterIdLst>
   <p:sldIdLst>
     <p:sldId id="266" r:id="rId4"/>
-    <p:sldId id="257" r:id="rId5"/>
-    <p:sldId id="258" r:id="rId6"/>
-    <p:sldId id="267" r:id="rId7"/>
+    <p:sldId id="258" r:id="rId5"/>
+    <p:sldId id="267" r:id="rId6"/>
+    <p:sldId id="257" r:id="rId7"/>
     <p:sldId id="259" r:id="rId8"/>
     <p:sldId id="268" r:id="rId9"/>
     <p:sldId id="269" r:id="rId10"/>
     <p:sldId id="262" r:id="rId11"/>
-    <p:sldId id="263" r:id="rId12"/>
-    <p:sldId id="265" r:id="rId13"/>
+    <p:sldId id="271" r:id="rId12"/>
+    <p:sldId id="272" r:id="rId13"/>
+    <p:sldId id="273" r:id="rId14"/>
+    <p:sldId id="263" r:id="rId15"/>
+    <p:sldId id="270" r:id="rId16"/>
+    <p:sldId id="265" r:id="rId17"/>
   </p:sldIdLst>
   <p:sldSz cx="9144000" cy="6858000" type="screen4x3"/>
   <p:notesSz cx="6858000" cy="9144000"/>
@@ -118,6 +122,11 @@
       </a:defRPr>
     </a:lvl9pPr>
   </p:defaultTextStyle>
+  <p:extLst>
+    <p:ext uri="{EFAFB233-063F-42B5-8137-9DF3F51BA10A}">
+      <p15:sldGuideLst xmlns:p15="http://schemas.microsoft.com/office/powerpoint/2012/main"/>
+    </p:ext>
+  </p:extLst>
 </p:presentation>
 </file>
 
@@ -8004,6 +8013,1299 @@
       </p:grpSpPr>
       <p:sp>
         <p:nvSpPr>
+          <p:cNvPr id="161" name="TextShape 3"/>
+          <p:cNvSpPr txBox="1"/>
+          <p:nvPr/>
+        </p:nvSpPr>
+        <p:spPr>
+          <a:xfrm>
+            <a:off x="3351240" y="6348240"/>
+            <a:ext cx="2453760" cy="364680"/>
+          </a:xfrm>
+          <a:prstGeom prst="rect">
+            <a:avLst/>
+          </a:prstGeom>
+          <a:noFill/>
+          <a:ln>
+            <a:noFill/>
+          </a:ln>
+        </p:spPr>
+        <p:txBody>
+          <a:bodyPr anchor="ctr"/>
+          <a:lstStyle/>
+          <a:p>
+            <a:pPr algn="ctr">
+              <a:lnSpc>
+                <a:spcPct val="100000"/>
+              </a:lnSpc>
+            </a:pPr>
+            <a:r>
+              <a:rPr lang="en-US" sz="1050" b="0" strike="noStrike" spc="-1" dirty="0">
+                <a:solidFill>
+                  <a:srgbClr val="8B8B8B"/>
+                </a:solidFill>
+                <a:uFill>
+                  <a:solidFill>
+                    <a:srgbClr val="FFFFFF"/>
+                  </a:solidFill>
+                </a:uFill>
+                <a:latin typeface="Tahoma"/>
+              </a:rPr>
+              <a:t>RVP1</a:t>
+            </a:r>
+            <a:endParaRPr lang="en-US" sz="1400" b="0" strike="noStrike" spc="-1" dirty="0">
+              <a:solidFill>
+                <a:srgbClr val="000000"/>
+              </a:solidFill>
+              <a:uFill>
+                <a:solidFill>
+                  <a:srgbClr val="FFFFFF"/>
+                </a:solidFill>
+              </a:uFill>
+              <a:latin typeface="Times New Roman"/>
+            </a:endParaRPr>
+          </a:p>
+        </p:txBody>
+      </p:sp>
+      <p:sp>
+        <p:nvSpPr>
+          <p:cNvPr id="162" name="TextShape 4"/>
+          <p:cNvSpPr txBox="1"/>
+          <p:nvPr/>
+        </p:nvSpPr>
+        <p:spPr>
+          <a:xfrm>
+            <a:off x="6673680" y="6356520"/>
+            <a:ext cx="2133360" cy="364680"/>
+          </a:xfrm>
+          <a:prstGeom prst="rect">
+            <a:avLst/>
+          </a:prstGeom>
+          <a:noFill/>
+          <a:ln>
+            <a:noFill/>
+          </a:ln>
+        </p:spPr>
+        <p:txBody>
+          <a:bodyPr anchor="ctr"/>
+          <a:lstStyle/>
+          <a:p>
+            <a:pPr algn="r">
+              <a:lnSpc>
+                <a:spcPct val="100000"/>
+              </a:lnSpc>
+            </a:pPr>
+            <a:fld id="{D2EB3ACC-CFC8-4646-9120-2915942D7671}" type="slidenum">
+              <a:rPr lang="en-US" sz="1050" b="0" strike="noStrike" spc="-1">
+                <a:solidFill>
+                  <a:srgbClr val="8B8B8B"/>
+                </a:solidFill>
+                <a:uFill>
+                  <a:solidFill>
+                    <a:srgbClr val="FFFFFF"/>
+                  </a:solidFill>
+                </a:uFill>
+                <a:latin typeface="Tahoma"/>
+              </a:rPr>
+              <a:t>10</a:t>
+            </a:fld>
+            <a:endParaRPr lang="en-US" sz="1400" b="0" strike="noStrike" spc="-1">
+              <a:solidFill>
+                <a:srgbClr val="000000"/>
+              </a:solidFill>
+              <a:uFill>
+                <a:solidFill>
+                  <a:srgbClr val="FFFFFF"/>
+                </a:solidFill>
+              </a:uFill>
+              <a:latin typeface="Times New Roman"/>
+            </a:endParaRPr>
+          </a:p>
+        </p:txBody>
+      </p:sp>
+      <p:sp>
+        <p:nvSpPr>
+          <p:cNvPr id="163" name="TextShape 5"/>
+          <p:cNvSpPr txBox="1"/>
+          <p:nvPr/>
+        </p:nvSpPr>
+        <p:spPr>
+          <a:xfrm>
+            <a:off x="336600" y="6356520"/>
+            <a:ext cx="2133360" cy="364680"/>
+          </a:xfrm>
+          <a:prstGeom prst="rect">
+            <a:avLst/>
+          </a:prstGeom>
+          <a:noFill/>
+          <a:ln>
+            <a:noFill/>
+          </a:ln>
+        </p:spPr>
+        <p:txBody>
+          <a:bodyPr anchor="ctr"/>
+          <a:lstStyle/>
+          <a:p>
+            <a:pPr>
+              <a:lnSpc>
+                <a:spcPct val="100000"/>
+              </a:lnSpc>
+            </a:pPr>
+            <a:r>
+              <a:rPr lang="en-US" sz="1050" b="0" strike="noStrike" spc="-1" dirty="0">
+                <a:solidFill>
+                  <a:srgbClr val="8B8B8B"/>
+                </a:solidFill>
+                <a:uFill>
+                  <a:solidFill>
+                    <a:srgbClr val="FFFFFF"/>
+                  </a:solidFill>
+                </a:uFill>
+                <a:latin typeface="Tahoma"/>
+              </a:rPr>
+              <a:t>12/13/17</a:t>
+            </a:r>
+            <a:endParaRPr lang="en-US" sz="1400" b="0" strike="noStrike" spc="-1" dirty="0">
+              <a:solidFill>
+                <a:srgbClr val="000000"/>
+              </a:solidFill>
+              <a:uFill>
+                <a:solidFill>
+                  <a:srgbClr val="FFFFFF"/>
+                </a:solidFill>
+              </a:uFill>
+              <a:latin typeface="Times New Roman"/>
+            </a:endParaRPr>
+          </a:p>
+        </p:txBody>
+      </p:sp>
+      <p:sp>
+        <p:nvSpPr>
+          <p:cNvPr id="8" name="TextShape 1"/>
+          <p:cNvSpPr txBox="1"/>
+          <p:nvPr/>
+        </p:nvSpPr>
+        <p:spPr>
+          <a:xfrm>
+            <a:off x="-258618" y="1660839"/>
+            <a:ext cx="3140364" cy="1681018"/>
+          </a:xfrm>
+          <a:prstGeom prst="rect">
+            <a:avLst/>
+          </a:prstGeom>
+          <a:noFill/>
+          <a:ln>
+            <a:noFill/>
+          </a:ln>
+        </p:spPr>
+        <p:txBody>
+          <a:bodyPr anchor="ctr"/>
+          <a:lstStyle/>
+          <a:p>
+            <a:pPr algn="r">
+              <a:lnSpc>
+                <a:spcPct val="100000"/>
+              </a:lnSpc>
+            </a:pPr>
+            <a:r>
+              <a:rPr lang="fr-FR" sz="3400" b="0" strike="noStrike" spc="-1" dirty="0" smtClean="0">
+                <a:solidFill>
+                  <a:srgbClr val="96172E"/>
+                </a:solidFill>
+                <a:uFill>
+                  <a:solidFill>
+                    <a:srgbClr val="FFFFFF"/>
+                  </a:solidFill>
+                </a:uFill>
+                <a:latin typeface="Tahoma"/>
+                <a:ea typeface="ＭＳ Ｐゴシック"/>
+              </a:rPr>
+              <a:t>Diagramme de GANTT (2)</a:t>
+            </a:r>
+            <a:endParaRPr lang="fr-FR" sz="3400" b="0" strike="noStrike" spc="-1" dirty="0">
+              <a:solidFill>
+                <a:srgbClr val="000000"/>
+              </a:solidFill>
+              <a:uFill>
+                <a:solidFill>
+                  <a:srgbClr val="FFFFFF"/>
+                </a:solidFill>
+              </a:uFill>
+              <a:latin typeface="Calibri"/>
+            </a:endParaRPr>
+          </a:p>
+        </p:txBody>
+      </p:sp>
+      <p:pic>
+        <p:nvPicPr>
+          <p:cNvPr id="3078" name="Picture 6" descr="https://raw.githubusercontent.com/PingouinsECL/documents/master/GANTT-Sem2.png"/>
+          <p:cNvPicPr>
+            <a:picLocks noChangeAspect="1" noChangeArrowheads="1"/>
+          </p:cNvPicPr>
+          <p:nvPr/>
+        </p:nvPicPr>
+        <p:blipFill>
+          <a:blip r:embed="rId2">
+            <a:extLst>
+              <a:ext uri="{28A0092B-C50C-407E-A947-70E740481C1C}">
+                <a14:useLocalDpi xmlns:a14="http://schemas.microsoft.com/office/drawing/2010/main" val="0"/>
+              </a:ext>
+            </a:extLst>
+          </a:blip>
+          <a:srcRect/>
+          <a:stretch>
+            <a:fillRect/>
+          </a:stretch>
+        </p:blipFill>
+        <p:spPr bwMode="auto">
+          <a:xfrm>
+            <a:off x="2881745" y="249381"/>
+            <a:ext cx="6068291" cy="6107139"/>
+          </a:xfrm>
+          <a:prstGeom prst="rect">
+            <a:avLst/>
+          </a:prstGeom>
+          <a:noFill/>
+          <a:extLst>
+            <a:ext uri="{909E8E84-426E-40DD-AFC4-6F175D3DCCD1}">
+              <a14:hiddenFill xmlns:a14="http://schemas.microsoft.com/office/drawing/2010/main">
+                <a:solidFill>
+                  <a:srgbClr val="FFFFFF"/>
+                </a:solidFill>
+              </a14:hiddenFill>
+            </a:ext>
+          </a:extLst>
+        </p:spPr>
+      </p:pic>
+    </p:spTree>
+    <p:extLst>
+      <p:ext uri="{BB962C8B-B14F-4D97-AF65-F5344CB8AC3E}">
+        <p14:creationId xmlns:p14="http://schemas.microsoft.com/office/powerpoint/2010/main" val="4211094286"/>
+      </p:ext>
+    </p:extLst>
+  </p:cSld>
+  <p:clrMapOvr>
+    <a:masterClrMapping/>
+  </p:clrMapOvr>
+  <p:timing>
+    <p:tnLst>
+      <p:par>
+        <p:cTn id="1" dur="indefinite" restart="never" nodeType="tmRoot">
+          <p:childTnLst>
+            <p:seq>
+              <p:cTn id="2" nodeType="mainSeq"/>
+              <p:prevCondLst>
+                <p:cond evt="onPrev" delay="0">
+                  <p:tgtEl>
+                    <p:sldTgt/>
+                  </p:tgtEl>
+                </p:cond>
+              </p:prevCondLst>
+              <p:nextCondLst>
+                <p:cond evt="onNext" delay="0">
+                  <p:tgtEl>
+                    <p:sldTgt/>
+                  </p:tgtEl>
+                </p:cond>
+              </p:nextCondLst>
+            </p:seq>
+          </p:childTnLst>
+        </p:cTn>
+      </p:par>
+    </p:tnLst>
+  </p:timing>
+</p:sld>
+</file>
+
+<file path=ppt/slides/slide11.xml><?xml version="1.0" encoding="utf-8"?>
+<p:sld xmlns:a="http://schemas.openxmlformats.org/drawingml/2006/main" xmlns:r="http://schemas.openxmlformats.org/officeDocument/2006/relationships" xmlns:p="http://schemas.openxmlformats.org/presentationml/2006/main">
+  <p:cSld>
+    <p:spTree>
+      <p:nvGrpSpPr>
+        <p:cNvPr id="1" name=""/>
+        <p:cNvGrpSpPr/>
+        <p:nvPr/>
+      </p:nvGrpSpPr>
+      <p:grpSpPr>
+        <a:xfrm>
+          <a:off x="0" y="0"/>
+          <a:ext cx="0" cy="0"/>
+          <a:chOff x="0" y="0"/>
+          <a:chExt cx="0" cy="0"/>
+        </a:xfrm>
+      </p:grpSpPr>
+      <p:sp>
+        <p:nvSpPr>
+          <p:cNvPr id="159" name="TextShape 1"/>
+          <p:cNvSpPr txBox="1"/>
+          <p:nvPr/>
+        </p:nvSpPr>
+        <p:spPr>
+          <a:xfrm>
+            <a:off x="2961000" y="174240"/>
+            <a:ext cx="3398236" cy="1142640"/>
+          </a:xfrm>
+          <a:prstGeom prst="rect">
+            <a:avLst/>
+          </a:prstGeom>
+          <a:noFill/>
+          <a:ln>
+            <a:noFill/>
+          </a:ln>
+        </p:spPr>
+        <p:txBody>
+          <a:bodyPr anchor="ctr"/>
+          <a:lstStyle/>
+          <a:p>
+            <a:pPr algn="r">
+              <a:lnSpc>
+                <a:spcPct val="100000"/>
+              </a:lnSpc>
+            </a:pPr>
+            <a:r>
+              <a:rPr lang="fr-FR" sz="3400" b="0" strike="noStrike" spc="-1" dirty="0" smtClean="0">
+                <a:solidFill>
+                  <a:srgbClr val="96172E"/>
+                </a:solidFill>
+                <a:uFill>
+                  <a:solidFill>
+                    <a:srgbClr val="FFFFFF"/>
+                  </a:solidFill>
+                </a:uFill>
+                <a:latin typeface="Tahoma"/>
+                <a:ea typeface="ＭＳ Ｐゴシック"/>
+              </a:rPr>
+              <a:t>Risques</a:t>
+            </a:r>
+            <a:endParaRPr lang="fr-FR" sz="3400" b="0" strike="noStrike" spc="-1" dirty="0">
+              <a:solidFill>
+                <a:srgbClr val="000000"/>
+              </a:solidFill>
+              <a:uFill>
+                <a:solidFill>
+                  <a:srgbClr val="FFFFFF"/>
+                </a:solidFill>
+              </a:uFill>
+              <a:latin typeface="Calibri"/>
+            </a:endParaRPr>
+          </a:p>
+        </p:txBody>
+      </p:sp>
+      <p:sp>
+        <p:nvSpPr>
+          <p:cNvPr id="161" name="TextShape 3"/>
+          <p:cNvSpPr txBox="1"/>
+          <p:nvPr/>
+        </p:nvSpPr>
+        <p:spPr>
+          <a:xfrm>
+            <a:off x="3351240" y="6348240"/>
+            <a:ext cx="2453760" cy="364680"/>
+          </a:xfrm>
+          <a:prstGeom prst="rect">
+            <a:avLst/>
+          </a:prstGeom>
+          <a:noFill/>
+          <a:ln>
+            <a:noFill/>
+          </a:ln>
+        </p:spPr>
+        <p:txBody>
+          <a:bodyPr anchor="ctr"/>
+          <a:lstStyle/>
+          <a:p>
+            <a:pPr algn="ctr">
+              <a:lnSpc>
+                <a:spcPct val="100000"/>
+              </a:lnSpc>
+            </a:pPr>
+            <a:r>
+              <a:rPr lang="en-US" sz="1050" b="0" strike="noStrike" spc="-1" dirty="0">
+                <a:solidFill>
+                  <a:srgbClr val="8B8B8B"/>
+                </a:solidFill>
+                <a:uFill>
+                  <a:solidFill>
+                    <a:srgbClr val="FFFFFF"/>
+                  </a:solidFill>
+                </a:uFill>
+                <a:latin typeface="Tahoma"/>
+              </a:rPr>
+              <a:t>RVP1</a:t>
+            </a:r>
+            <a:endParaRPr lang="en-US" sz="1400" b="0" strike="noStrike" spc="-1" dirty="0">
+              <a:solidFill>
+                <a:srgbClr val="000000"/>
+              </a:solidFill>
+              <a:uFill>
+                <a:solidFill>
+                  <a:srgbClr val="FFFFFF"/>
+                </a:solidFill>
+              </a:uFill>
+              <a:latin typeface="Times New Roman"/>
+            </a:endParaRPr>
+          </a:p>
+        </p:txBody>
+      </p:sp>
+      <p:sp>
+        <p:nvSpPr>
+          <p:cNvPr id="162" name="TextShape 4"/>
+          <p:cNvSpPr txBox="1"/>
+          <p:nvPr/>
+        </p:nvSpPr>
+        <p:spPr>
+          <a:xfrm>
+            <a:off x="6673680" y="6356520"/>
+            <a:ext cx="2133360" cy="364680"/>
+          </a:xfrm>
+          <a:prstGeom prst="rect">
+            <a:avLst/>
+          </a:prstGeom>
+          <a:noFill/>
+          <a:ln>
+            <a:noFill/>
+          </a:ln>
+        </p:spPr>
+        <p:txBody>
+          <a:bodyPr anchor="ctr"/>
+          <a:lstStyle/>
+          <a:p>
+            <a:pPr algn="r">
+              <a:lnSpc>
+                <a:spcPct val="100000"/>
+              </a:lnSpc>
+            </a:pPr>
+            <a:fld id="{D2EB3ACC-CFC8-4646-9120-2915942D7671}" type="slidenum">
+              <a:rPr lang="en-US" sz="1050" b="0" strike="noStrike" spc="-1">
+                <a:solidFill>
+                  <a:srgbClr val="8B8B8B"/>
+                </a:solidFill>
+                <a:uFill>
+                  <a:solidFill>
+                    <a:srgbClr val="FFFFFF"/>
+                  </a:solidFill>
+                </a:uFill>
+                <a:latin typeface="Tahoma"/>
+              </a:rPr>
+              <a:t>11</a:t>
+            </a:fld>
+            <a:endParaRPr lang="en-US" sz="1400" b="0" strike="noStrike" spc="-1">
+              <a:solidFill>
+                <a:srgbClr val="000000"/>
+              </a:solidFill>
+              <a:uFill>
+                <a:solidFill>
+                  <a:srgbClr val="FFFFFF"/>
+                </a:solidFill>
+              </a:uFill>
+              <a:latin typeface="Times New Roman"/>
+            </a:endParaRPr>
+          </a:p>
+        </p:txBody>
+      </p:sp>
+      <p:sp>
+        <p:nvSpPr>
+          <p:cNvPr id="163" name="TextShape 5"/>
+          <p:cNvSpPr txBox="1"/>
+          <p:nvPr/>
+        </p:nvSpPr>
+        <p:spPr>
+          <a:xfrm>
+            <a:off x="336600" y="6356520"/>
+            <a:ext cx="2133360" cy="364680"/>
+          </a:xfrm>
+          <a:prstGeom prst="rect">
+            <a:avLst/>
+          </a:prstGeom>
+          <a:noFill/>
+          <a:ln>
+            <a:noFill/>
+          </a:ln>
+        </p:spPr>
+        <p:txBody>
+          <a:bodyPr anchor="ctr"/>
+          <a:lstStyle/>
+          <a:p>
+            <a:pPr>
+              <a:lnSpc>
+                <a:spcPct val="100000"/>
+              </a:lnSpc>
+            </a:pPr>
+            <a:r>
+              <a:rPr lang="en-US" sz="1050" b="0" strike="noStrike" spc="-1" dirty="0">
+                <a:solidFill>
+                  <a:srgbClr val="8B8B8B"/>
+                </a:solidFill>
+                <a:uFill>
+                  <a:solidFill>
+                    <a:srgbClr val="FFFFFF"/>
+                  </a:solidFill>
+                </a:uFill>
+                <a:latin typeface="Tahoma"/>
+              </a:rPr>
+              <a:t>12/13/17</a:t>
+            </a:r>
+            <a:endParaRPr lang="en-US" sz="1400" b="0" strike="noStrike" spc="-1" dirty="0">
+              <a:solidFill>
+                <a:srgbClr val="000000"/>
+              </a:solidFill>
+              <a:uFill>
+                <a:solidFill>
+                  <a:srgbClr val="FFFFFF"/>
+                </a:solidFill>
+              </a:uFill>
+              <a:latin typeface="Times New Roman"/>
+            </a:endParaRPr>
+          </a:p>
+        </p:txBody>
+      </p:sp>
+      <p:sp>
+        <p:nvSpPr>
+          <p:cNvPr id="7" name="TextShape 2"/>
+          <p:cNvSpPr txBox="1"/>
+          <p:nvPr/>
+        </p:nvSpPr>
+        <p:spPr>
+          <a:xfrm>
+            <a:off x="374940" y="1764144"/>
+            <a:ext cx="8701560" cy="4592375"/>
+          </a:xfrm>
+          <a:prstGeom prst="rect">
+            <a:avLst/>
+          </a:prstGeom>
+          <a:noFill/>
+          <a:ln>
+            <a:noFill/>
+          </a:ln>
+        </p:spPr>
+        <p:txBody>
+          <a:bodyPr/>
+          <a:lstStyle/>
+          <a:p>
+            <a:pPr marL="343080" indent="-342720">
+              <a:lnSpc>
+                <a:spcPct val="100000"/>
+              </a:lnSpc>
+              <a:buClr>
+                <a:srgbClr val="96172E"/>
+              </a:buClr>
+              <a:buSzPct val="150000"/>
+              <a:buFont typeface="Arial"/>
+              <a:buChar char="•"/>
+            </a:pPr>
+            <a:endParaRPr lang="fr-FR" sz="2400" spc="-1" dirty="0">
+              <a:solidFill>
+                <a:srgbClr val="595959"/>
+              </a:solidFill>
+              <a:uFill>
+                <a:solidFill>
+                  <a:srgbClr val="FFFFFF"/>
+                </a:solidFill>
+              </a:uFill>
+              <a:latin typeface="Tahoma"/>
+            </a:endParaRPr>
+          </a:p>
+          <a:p>
+            <a:pPr marL="343080" indent="-342720">
+              <a:lnSpc>
+                <a:spcPct val="100000"/>
+              </a:lnSpc>
+              <a:buClr>
+                <a:srgbClr val="96172E"/>
+              </a:buClr>
+              <a:buSzPct val="150000"/>
+              <a:buFont typeface="Arial"/>
+              <a:buChar char="•"/>
+            </a:pPr>
+            <a:r>
+              <a:rPr lang="fr-FR" sz="2400" spc="-1" dirty="0" smtClean="0">
+                <a:solidFill>
+                  <a:srgbClr val="595959"/>
+                </a:solidFill>
+                <a:uFill>
+                  <a:solidFill>
+                    <a:srgbClr val="FFFFFF"/>
+                  </a:solidFill>
+                </a:uFill>
+                <a:latin typeface="Tahoma"/>
+              </a:rPr>
+              <a:t>Initialisation du réseau de neurones délicate </a:t>
+            </a:r>
+          </a:p>
+          <a:p>
+            <a:pPr marL="360">
+              <a:lnSpc>
+                <a:spcPct val="100000"/>
+              </a:lnSpc>
+              <a:buClr>
+                <a:srgbClr val="96172E"/>
+              </a:buClr>
+              <a:buSzPct val="150000"/>
+            </a:pPr>
+            <a:r>
+              <a:rPr lang="fr-FR" sz="2400" spc="-1" dirty="0" smtClean="0">
+                <a:solidFill>
+                  <a:srgbClr val="595959"/>
+                </a:solidFill>
+                <a:uFill>
+                  <a:solidFill>
+                    <a:srgbClr val="FFFFFF"/>
+                  </a:solidFill>
+                </a:uFill>
+                <a:latin typeface="Tahoma"/>
+                <a:sym typeface="Wingdings" panose="05000000000000000000" pitchFamily="2" charset="2"/>
+              </a:rPr>
+              <a:t> Performance de l’IA ?</a:t>
+            </a:r>
+          </a:p>
+          <a:p>
+            <a:pPr marL="343080" indent="-342720">
+              <a:lnSpc>
+                <a:spcPct val="100000"/>
+              </a:lnSpc>
+              <a:buClr>
+                <a:srgbClr val="96172E"/>
+              </a:buClr>
+              <a:buSzPct val="150000"/>
+              <a:buFont typeface="Arial"/>
+              <a:buChar char="•"/>
+            </a:pPr>
+            <a:endParaRPr lang="fr-FR" sz="2400" spc="-1" dirty="0" smtClean="0">
+              <a:solidFill>
+                <a:srgbClr val="595959"/>
+              </a:solidFill>
+              <a:uFill>
+                <a:solidFill>
+                  <a:srgbClr val="FFFFFF"/>
+                </a:solidFill>
+              </a:uFill>
+              <a:latin typeface="Tahoma"/>
+              <a:sym typeface="Wingdings" panose="05000000000000000000" pitchFamily="2" charset="2"/>
+            </a:endParaRPr>
+          </a:p>
+          <a:p>
+            <a:pPr marL="360">
+              <a:lnSpc>
+                <a:spcPct val="100000"/>
+              </a:lnSpc>
+              <a:buClr>
+                <a:srgbClr val="96172E"/>
+              </a:buClr>
+              <a:buSzPct val="150000"/>
+            </a:pPr>
+            <a:endParaRPr lang="fr-FR" sz="2400" spc="-1" dirty="0">
+              <a:solidFill>
+                <a:srgbClr val="595959"/>
+              </a:solidFill>
+              <a:uFill>
+                <a:solidFill>
+                  <a:srgbClr val="FFFFFF"/>
+                </a:solidFill>
+              </a:uFill>
+              <a:latin typeface="Tahoma"/>
+              <a:sym typeface="Wingdings" panose="05000000000000000000" pitchFamily="2" charset="2"/>
+            </a:endParaRPr>
+          </a:p>
+          <a:p>
+            <a:pPr marL="343080" indent="-342720">
+              <a:lnSpc>
+                <a:spcPct val="100000"/>
+              </a:lnSpc>
+              <a:buClr>
+                <a:srgbClr val="96172E"/>
+              </a:buClr>
+              <a:buSzPct val="150000"/>
+              <a:buFont typeface="Arial"/>
+              <a:buChar char="•"/>
+            </a:pPr>
+            <a:r>
+              <a:rPr lang="fr-FR" sz="2400" spc="-1" dirty="0" smtClean="0">
+                <a:solidFill>
+                  <a:srgbClr val="595959"/>
+                </a:solidFill>
+                <a:uFill>
+                  <a:solidFill>
+                    <a:srgbClr val="FFFFFF"/>
+                  </a:solidFill>
+                </a:uFill>
+                <a:latin typeface="Tahoma"/>
+                <a:sym typeface="Wingdings" panose="05000000000000000000" pitchFamily="2" charset="2"/>
+              </a:rPr>
+              <a:t>Publication non autorisée par les auteurs sur l’intranet du campus </a:t>
+            </a:r>
+            <a:endParaRPr lang="fr-FR" sz="2400" spc="-1" dirty="0" smtClean="0">
+              <a:solidFill>
+                <a:srgbClr val="595959"/>
+              </a:solidFill>
+              <a:uFill>
+                <a:solidFill>
+                  <a:srgbClr val="FFFFFF"/>
+                </a:solidFill>
+              </a:uFill>
+              <a:latin typeface="Tahoma"/>
+              <a:sym typeface="Wingdings" panose="05000000000000000000" pitchFamily="2" charset="2"/>
+            </a:endParaRPr>
+          </a:p>
+          <a:p>
+            <a:pPr marL="360">
+              <a:lnSpc>
+                <a:spcPct val="100000"/>
+              </a:lnSpc>
+              <a:buClr>
+                <a:srgbClr val="96172E"/>
+              </a:buClr>
+              <a:buSzPct val="150000"/>
+            </a:pPr>
+            <a:endParaRPr lang="fr-FR" sz="2400" spc="-1" dirty="0">
+              <a:solidFill>
+                <a:srgbClr val="595959"/>
+              </a:solidFill>
+              <a:uFill>
+                <a:solidFill>
+                  <a:srgbClr val="FFFFFF"/>
+                </a:solidFill>
+              </a:uFill>
+              <a:latin typeface="Tahoma"/>
+            </a:endParaRPr>
+          </a:p>
+          <a:p>
+            <a:pPr marL="343080" indent="-342720">
+              <a:lnSpc>
+                <a:spcPct val="100000"/>
+              </a:lnSpc>
+              <a:buClr>
+                <a:srgbClr val="96172E"/>
+              </a:buClr>
+              <a:buSzPct val="150000"/>
+              <a:buFont typeface="Arial"/>
+              <a:buChar char="•"/>
+            </a:pPr>
+            <a:endParaRPr lang="fr-FR" sz="2400" b="0" strike="noStrike" spc="-1" dirty="0">
+              <a:solidFill>
+                <a:srgbClr val="595959"/>
+              </a:solidFill>
+              <a:uFill>
+                <a:solidFill>
+                  <a:srgbClr val="FFFFFF"/>
+                </a:solidFill>
+              </a:uFill>
+              <a:latin typeface="Tahoma"/>
+            </a:endParaRPr>
+          </a:p>
+        </p:txBody>
+      </p:sp>
+    </p:spTree>
+    <p:extLst>
+      <p:ext uri="{BB962C8B-B14F-4D97-AF65-F5344CB8AC3E}">
+        <p14:creationId xmlns:p14="http://schemas.microsoft.com/office/powerpoint/2010/main" val="2999116520"/>
+      </p:ext>
+    </p:extLst>
+  </p:cSld>
+  <p:clrMapOvr>
+    <a:masterClrMapping/>
+  </p:clrMapOvr>
+  <p:timing>
+    <p:tnLst>
+      <p:par>
+        <p:cTn id="1" dur="indefinite" restart="never" nodeType="tmRoot">
+          <p:childTnLst>
+            <p:seq>
+              <p:cTn id="2" nodeType="mainSeq"/>
+              <p:prevCondLst>
+                <p:cond evt="onPrev" delay="0">
+                  <p:tgtEl>
+                    <p:sldTgt/>
+                  </p:tgtEl>
+                </p:cond>
+              </p:prevCondLst>
+              <p:nextCondLst>
+                <p:cond evt="onNext" delay="0">
+                  <p:tgtEl>
+                    <p:sldTgt/>
+                  </p:tgtEl>
+                </p:cond>
+              </p:nextCondLst>
+            </p:seq>
+          </p:childTnLst>
+        </p:cTn>
+      </p:par>
+    </p:tnLst>
+  </p:timing>
+</p:sld>
+</file>
+
+<file path=ppt/slides/slide12.xml><?xml version="1.0" encoding="utf-8"?>
+<p:sld xmlns:a="http://schemas.openxmlformats.org/drawingml/2006/main" xmlns:r="http://schemas.openxmlformats.org/officeDocument/2006/relationships" xmlns:p="http://schemas.openxmlformats.org/presentationml/2006/main">
+  <p:cSld>
+    <p:spTree>
+      <p:nvGrpSpPr>
+        <p:cNvPr id="1" name=""/>
+        <p:cNvGrpSpPr/>
+        <p:nvPr/>
+      </p:nvGrpSpPr>
+      <p:grpSpPr>
+        <a:xfrm>
+          <a:off x="0" y="0"/>
+          <a:ext cx="0" cy="0"/>
+          <a:chOff x="0" y="0"/>
+          <a:chExt cx="0" cy="0"/>
+        </a:xfrm>
+      </p:grpSpPr>
+      <p:sp>
+        <p:nvSpPr>
+          <p:cNvPr id="159" name="TextShape 1"/>
+          <p:cNvSpPr txBox="1"/>
+          <p:nvPr/>
+        </p:nvSpPr>
+        <p:spPr>
+          <a:xfrm>
+            <a:off x="2961000" y="174240"/>
+            <a:ext cx="3398236" cy="1142640"/>
+          </a:xfrm>
+          <a:prstGeom prst="rect">
+            <a:avLst/>
+          </a:prstGeom>
+          <a:noFill/>
+          <a:ln>
+            <a:noFill/>
+          </a:ln>
+        </p:spPr>
+        <p:txBody>
+          <a:bodyPr anchor="ctr"/>
+          <a:lstStyle/>
+          <a:p>
+            <a:pPr algn="r">
+              <a:lnSpc>
+                <a:spcPct val="100000"/>
+              </a:lnSpc>
+            </a:pPr>
+            <a:r>
+              <a:rPr lang="fr-FR" sz="3400" b="0" strike="noStrike" spc="-1" dirty="0">
+                <a:solidFill>
+                  <a:srgbClr val="96172E"/>
+                </a:solidFill>
+                <a:uFill>
+                  <a:solidFill>
+                    <a:srgbClr val="FFFFFF"/>
+                  </a:solidFill>
+                </a:uFill>
+                <a:latin typeface="Tahoma"/>
+                <a:ea typeface="ＭＳ Ｐゴシック"/>
+              </a:rPr>
+              <a:t>Budget</a:t>
+            </a:r>
+            <a:endParaRPr lang="fr-FR" sz="3400" b="0" strike="noStrike" spc="-1" dirty="0">
+              <a:solidFill>
+                <a:srgbClr val="000000"/>
+              </a:solidFill>
+              <a:uFill>
+                <a:solidFill>
+                  <a:srgbClr val="FFFFFF"/>
+                </a:solidFill>
+              </a:uFill>
+              <a:latin typeface="Calibri"/>
+            </a:endParaRPr>
+          </a:p>
+        </p:txBody>
+      </p:sp>
+      <p:sp>
+        <p:nvSpPr>
+          <p:cNvPr id="161" name="TextShape 3"/>
+          <p:cNvSpPr txBox="1"/>
+          <p:nvPr/>
+        </p:nvSpPr>
+        <p:spPr>
+          <a:xfrm>
+            <a:off x="3351240" y="6348240"/>
+            <a:ext cx="2453760" cy="364680"/>
+          </a:xfrm>
+          <a:prstGeom prst="rect">
+            <a:avLst/>
+          </a:prstGeom>
+          <a:noFill/>
+          <a:ln>
+            <a:noFill/>
+          </a:ln>
+        </p:spPr>
+        <p:txBody>
+          <a:bodyPr anchor="ctr"/>
+          <a:lstStyle/>
+          <a:p>
+            <a:pPr algn="ctr">
+              <a:lnSpc>
+                <a:spcPct val="100000"/>
+              </a:lnSpc>
+            </a:pPr>
+            <a:r>
+              <a:rPr lang="en-US" sz="1050" b="0" strike="noStrike" spc="-1" dirty="0">
+                <a:solidFill>
+                  <a:srgbClr val="8B8B8B"/>
+                </a:solidFill>
+                <a:uFill>
+                  <a:solidFill>
+                    <a:srgbClr val="FFFFFF"/>
+                  </a:solidFill>
+                </a:uFill>
+                <a:latin typeface="Tahoma"/>
+              </a:rPr>
+              <a:t>RVP1</a:t>
+            </a:r>
+            <a:endParaRPr lang="en-US" sz="1400" b="0" strike="noStrike" spc="-1" dirty="0">
+              <a:solidFill>
+                <a:srgbClr val="000000"/>
+              </a:solidFill>
+              <a:uFill>
+                <a:solidFill>
+                  <a:srgbClr val="FFFFFF"/>
+                </a:solidFill>
+              </a:uFill>
+              <a:latin typeface="Times New Roman"/>
+            </a:endParaRPr>
+          </a:p>
+        </p:txBody>
+      </p:sp>
+      <p:sp>
+        <p:nvSpPr>
+          <p:cNvPr id="162" name="TextShape 4"/>
+          <p:cNvSpPr txBox="1"/>
+          <p:nvPr/>
+        </p:nvSpPr>
+        <p:spPr>
+          <a:xfrm>
+            <a:off x="6673680" y="6356520"/>
+            <a:ext cx="2133360" cy="364680"/>
+          </a:xfrm>
+          <a:prstGeom prst="rect">
+            <a:avLst/>
+          </a:prstGeom>
+          <a:noFill/>
+          <a:ln>
+            <a:noFill/>
+          </a:ln>
+        </p:spPr>
+        <p:txBody>
+          <a:bodyPr anchor="ctr"/>
+          <a:lstStyle/>
+          <a:p>
+            <a:pPr algn="r">
+              <a:lnSpc>
+                <a:spcPct val="100000"/>
+              </a:lnSpc>
+            </a:pPr>
+            <a:fld id="{D2EB3ACC-CFC8-4646-9120-2915942D7671}" type="slidenum">
+              <a:rPr lang="en-US" sz="1050" b="0" strike="noStrike" spc="-1">
+                <a:solidFill>
+                  <a:srgbClr val="8B8B8B"/>
+                </a:solidFill>
+                <a:uFill>
+                  <a:solidFill>
+                    <a:srgbClr val="FFFFFF"/>
+                  </a:solidFill>
+                </a:uFill>
+                <a:latin typeface="Tahoma"/>
+              </a:rPr>
+              <a:t>12</a:t>
+            </a:fld>
+            <a:endParaRPr lang="en-US" sz="1400" b="0" strike="noStrike" spc="-1">
+              <a:solidFill>
+                <a:srgbClr val="000000"/>
+              </a:solidFill>
+              <a:uFill>
+                <a:solidFill>
+                  <a:srgbClr val="FFFFFF"/>
+                </a:solidFill>
+              </a:uFill>
+              <a:latin typeface="Times New Roman"/>
+            </a:endParaRPr>
+          </a:p>
+        </p:txBody>
+      </p:sp>
+      <p:sp>
+        <p:nvSpPr>
+          <p:cNvPr id="163" name="TextShape 5"/>
+          <p:cNvSpPr txBox="1"/>
+          <p:nvPr/>
+        </p:nvSpPr>
+        <p:spPr>
+          <a:xfrm>
+            <a:off x="336600" y="6356520"/>
+            <a:ext cx="2133360" cy="364680"/>
+          </a:xfrm>
+          <a:prstGeom prst="rect">
+            <a:avLst/>
+          </a:prstGeom>
+          <a:noFill/>
+          <a:ln>
+            <a:noFill/>
+          </a:ln>
+        </p:spPr>
+        <p:txBody>
+          <a:bodyPr anchor="ctr"/>
+          <a:lstStyle/>
+          <a:p>
+            <a:pPr>
+              <a:lnSpc>
+                <a:spcPct val="100000"/>
+              </a:lnSpc>
+            </a:pPr>
+            <a:r>
+              <a:rPr lang="en-US" sz="1050" b="0" strike="noStrike" spc="-1" dirty="0">
+                <a:solidFill>
+                  <a:srgbClr val="8B8B8B"/>
+                </a:solidFill>
+                <a:uFill>
+                  <a:solidFill>
+                    <a:srgbClr val="FFFFFF"/>
+                  </a:solidFill>
+                </a:uFill>
+                <a:latin typeface="Tahoma"/>
+              </a:rPr>
+              <a:t>12/13/17</a:t>
+            </a:r>
+            <a:endParaRPr lang="en-US" sz="1400" b="0" strike="noStrike" spc="-1" dirty="0">
+              <a:solidFill>
+                <a:srgbClr val="000000"/>
+              </a:solidFill>
+              <a:uFill>
+                <a:solidFill>
+                  <a:srgbClr val="FFFFFF"/>
+                </a:solidFill>
+              </a:uFill>
+              <a:latin typeface="Times New Roman"/>
+            </a:endParaRPr>
+          </a:p>
+        </p:txBody>
+      </p:sp>
+      <p:pic>
+        <p:nvPicPr>
+          <p:cNvPr id="1026" name="Picture 2" descr="https://raw.githubusercontent.com/PingouinsECL/documents/master/budget.png"/>
+          <p:cNvPicPr>
+            <a:picLocks noChangeAspect="1" noChangeArrowheads="1"/>
+          </p:cNvPicPr>
+          <p:nvPr/>
+        </p:nvPicPr>
+        <p:blipFill>
+          <a:blip r:embed="rId2">
+            <a:extLst>
+              <a:ext uri="{28A0092B-C50C-407E-A947-70E740481C1C}">
+                <a14:useLocalDpi xmlns:a14="http://schemas.microsoft.com/office/drawing/2010/main" val="0"/>
+              </a:ext>
+            </a:extLst>
+          </a:blip>
+          <a:srcRect/>
+          <a:stretch>
+            <a:fillRect/>
+          </a:stretch>
+        </p:blipFill>
+        <p:spPr bwMode="auto">
+          <a:xfrm>
+            <a:off x="1382032" y="1152810"/>
+            <a:ext cx="6556172" cy="5195430"/>
+          </a:xfrm>
+          <a:prstGeom prst="rect">
+            <a:avLst/>
+          </a:prstGeom>
+          <a:noFill/>
+          <a:extLst>
+            <a:ext uri="{909E8E84-426E-40DD-AFC4-6F175D3DCCD1}">
+              <a14:hiddenFill xmlns:a14="http://schemas.microsoft.com/office/drawing/2010/main">
+                <a:solidFill>
+                  <a:srgbClr val="FFFFFF"/>
+                </a:solidFill>
+              </a14:hiddenFill>
+            </a:ext>
+          </a:extLst>
+        </p:spPr>
+      </p:pic>
+    </p:spTree>
+  </p:cSld>
+  <p:clrMapOvr>
+    <a:masterClrMapping/>
+  </p:clrMapOvr>
+  <p:timing>
+    <p:tnLst>
+      <p:par>
+        <p:cTn id="1" dur="indefinite" restart="never" nodeType="tmRoot">
+          <p:childTnLst>
+            <p:seq>
+              <p:cTn id="2" nodeType="mainSeq"/>
+              <p:prevCondLst>
+                <p:cond evt="onPrev" delay="0">
+                  <p:tgtEl>
+                    <p:sldTgt/>
+                  </p:tgtEl>
+                </p:cond>
+              </p:prevCondLst>
+              <p:nextCondLst>
+                <p:cond evt="onNext" delay="0">
+                  <p:tgtEl>
+                    <p:sldTgt/>
+                  </p:tgtEl>
+                </p:cond>
+              </p:nextCondLst>
+            </p:seq>
+          </p:childTnLst>
+        </p:cTn>
+      </p:par>
+    </p:tnLst>
+  </p:timing>
+</p:sld>
+</file>
+
+<file path=ppt/slides/slide13.xml><?xml version="1.0" encoding="utf-8"?>
+<p:sld xmlns:a="http://schemas.openxmlformats.org/drawingml/2006/main" xmlns:r="http://schemas.openxmlformats.org/officeDocument/2006/relationships" xmlns:p="http://schemas.openxmlformats.org/presentationml/2006/main">
+  <p:cSld>
+    <p:spTree>
+      <p:nvGrpSpPr>
+        <p:cNvPr id="1" name=""/>
+        <p:cNvGrpSpPr/>
+        <p:nvPr/>
+      </p:nvGrpSpPr>
+      <p:grpSpPr>
+        <a:xfrm>
+          <a:off x="0" y="0"/>
+          <a:ext cx="0" cy="0"/>
+          <a:chOff x="0" y="0"/>
+          <a:chExt cx="0" cy="0"/>
+        </a:xfrm>
+      </p:grpSpPr>
+      <p:sp>
+        <p:nvSpPr>
+          <p:cNvPr id="6" name="TextShape 1"/>
+          <p:cNvSpPr txBox="1"/>
+          <p:nvPr/>
+        </p:nvSpPr>
+        <p:spPr>
+          <a:xfrm>
+            <a:off x="2961000" y="174240"/>
+            <a:ext cx="3398236" cy="1142640"/>
+          </a:xfrm>
+          <a:prstGeom prst="rect">
+            <a:avLst/>
+          </a:prstGeom>
+          <a:noFill/>
+          <a:ln>
+            <a:noFill/>
+          </a:ln>
+        </p:spPr>
+        <p:txBody>
+          <a:bodyPr anchor="ctr"/>
+          <a:lstStyle/>
+          <a:p>
+            <a:pPr algn="r">
+              <a:lnSpc>
+                <a:spcPct val="100000"/>
+              </a:lnSpc>
+            </a:pPr>
+            <a:r>
+              <a:rPr lang="fr-FR" sz="3400" spc="-1" dirty="0" smtClean="0">
+                <a:solidFill>
+                  <a:srgbClr val="96172E"/>
+                </a:solidFill>
+                <a:uFill>
+                  <a:solidFill>
+                    <a:srgbClr val="FFFFFF"/>
+                  </a:solidFill>
+                </a:uFill>
+                <a:latin typeface="Tahoma"/>
+                <a:ea typeface="ＭＳ Ｐゴシック"/>
+              </a:rPr>
+              <a:t>Avancement</a:t>
+            </a:r>
+            <a:endParaRPr lang="fr-FR" sz="3400" b="0" strike="noStrike" spc="-1" dirty="0">
+              <a:solidFill>
+                <a:srgbClr val="000000"/>
+              </a:solidFill>
+              <a:uFill>
+                <a:solidFill>
+                  <a:srgbClr val="FFFFFF"/>
+                </a:solidFill>
+              </a:uFill>
+              <a:latin typeface="Calibri"/>
+            </a:endParaRPr>
+          </a:p>
+        </p:txBody>
+      </p:sp>
+      <p:pic>
+        <p:nvPicPr>
+          <p:cNvPr id="2052" name="Picture 4" descr="https://raw.githubusercontent.com/PingouinsECL/documents/master/screen.png"/>
+          <p:cNvPicPr>
+            <a:picLocks noChangeAspect="1" noChangeArrowheads="1"/>
+          </p:cNvPicPr>
+          <p:nvPr/>
+        </p:nvPicPr>
+        <p:blipFill>
+          <a:blip r:embed="rId2">
+            <a:extLst>
+              <a:ext uri="{28A0092B-C50C-407E-A947-70E740481C1C}">
+                <a14:useLocalDpi xmlns:a14="http://schemas.microsoft.com/office/drawing/2010/main" val="0"/>
+              </a:ext>
+            </a:extLst>
+          </a:blip>
+          <a:srcRect/>
+          <a:stretch>
+            <a:fillRect/>
+          </a:stretch>
+        </p:blipFill>
+        <p:spPr bwMode="auto">
+          <a:xfrm>
+            <a:off x="430775" y="1557667"/>
+            <a:ext cx="8458686" cy="4427497"/>
+          </a:xfrm>
+          <a:prstGeom prst="rect">
+            <a:avLst/>
+          </a:prstGeom>
+          <a:noFill/>
+          <a:extLst>
+            <a:ext uri="{909E8E84-426E-40DD-AFC4-6F175D3DCCD1}">
+              <a14:hiddenFill xmlns:a14="http://schemas.microsoft.com/office/drawing/2010/main">
+                <a:solidFill>
+                  <a:srgbClr val="FFFFFF"/>
+                </a:solidFill>
+              </a14:hiddenFill>
+            </a:ext>
+          </a:extLst>
+        </p:spPr>
+      </p:pic>
+    </p:spTree>
+    <p:extLst>
+      <p:ext uri="{BB962C8B-B14F-4D97-AF65-F5344CB8AC3E}">
+        <p14:creationId xmlns:p14="http://schemas.microsoft.com/office/powerpoint/2010/main" val="1571330856"/>
+      </p:ext>
+    </p:extLst>
+  </p:cSld>
+  <p:clrMapOvr>
+    <a:masterClrMapping/>
+  </p:clrMapOvr>
+  <p:timing>
+    <p:tnLst>
+      <p:par>
+        <p:cTn id="1" dur="indefinite" restart="never" nodeType="tmRoot"/>
+      </p:par>
+    </p:tnLst>
+  </p:timing>
+</p:sld>
+</file>
+
+<file path=ppt/slides/slide14.xml><?xml version="1.0" encoding="utf-8"?>
+<p:sld xmlns:a="http://schemas.openxmlformats.org/drawingml/2006/main" xmlns:r="http://schemas.openxmlformats.org/officeDocument/2006/relationships" xmlns:p="http://schemas.openxmlformats.org/presentationml/2006/main">
+  <p:cSld>
+    <p:spTree>
+      <p:nvGrpSpPr>
+        <p:cNvPr id="1" name=""/>
+        <p:cNvGrpSpPr/>
+        <p:nvPr/>
+      </p:nvGrpSpPr>
+      <p:grpSpPr>
+        <a:xfrm>
+          <a:off x="0" y="0"/>
+          <a:ext cx="0" cy="0"/>
+          <a:chOff x="0" y="0"/>
+          <a:chExt cx="0" cy="0"/>
+        </a:xfrm>
+      </p:grpSpPr>
+      <p:sp>
+        <p:nvSpPr>
           <p:cNvPr id="3" name="TextShape 2">
             <a:extLst>
               <a:ext uri="{FF2B5EF4-FFF2-40B4-BE49-F238E27FC236}">
@@ -8183,14 +9485,14 @@
       </p:grpSpPr>
       <p:sp>
         <p:nvSpPr>
-          <p:cNvPr id="129" name="TextShape 1"/>
+          <p:cNvPr id="134" name="TextShape 1"/>
           <p:cNvSpPr txBox="1"/>
           <p:nvPr/>
         </p:nvSpPr>
         <p:spPr>
           <a:xfrm>
             <a:off x="2961000" y="174240"/>
-            <a:ext cx="4615200" cy="1142640"/>
+            <a:ext cx="3529440" cy="1142640"/>
           </a:xfrm>
           <a:prstGeom prst="rect">
             <a:avLst/>
@@ -8204,7 +9506,7 @@
           <a:bodyPr anchor="ctr"/>
           <a:lstStyle/>
           <a:p>
-            <a:pPr algn="ctr">
+            <a:pPr algn="r">
               <a:lnSpc>
                 <a:spcPct val="100000"/>
               </a:lnSpc>
@@ -8213,89 +9515,6 @@
               <a:rPr lang="fr-FR" sz="3400" b="0" strike="noStrike" spc="-1" dirty="0">
                 <a:solidFill>
                   <a:srgbClr val="96172E"/>
-                </a:solidFill>
-                <a:uFill>
-                  <a:solidFill>
-                    <a:srgbClr val="FFFFFF"/>
-                  </a:solidFill>
-                </a:uFill>
-                <a:latin typeface="Tahoma"/>
-                <a:ea typeface="ＭＳ Ｐゴシック"/>
-              </a:rPr>
-              <a:t>Sommaire</a:t>
-            </a:r>
-            <a:endParaRPr lang="fr-FR" sz="3400" b="0" strike="noStrike" spc="-1" dirty="0">
-              <a:solidFill>
-                <a:srgbClr val="000000"/>
-              </a:solidFill>
-              <a:uFill>
-                <a:solidFill>
-                  <a:srgbClr val="FFFFFF"/>
-                </a:solidFill>
-              </a:uFill>
-              <a:latin typeface="Calibri"/>
-            </a:endParaRPr>
-          </a:p>
-        </p:txBody>
-      </p:sp>
-      <p:sp>
-        <p:nvSpPr>
-          <p:cNvPr id="130" name="TextShape 2"/>
-          <p:cNvSpPr txBox="1"/>
-          <p:nvPr/>
-        </p:nvSpPr>
-        <p:spPr>
-          <a:xfrm>
-            <a:off x="322200" y="1633680"/>
-            <a:ext cx="8497440" cy="4525560"/>
-          </a:xfrm>
-          <a:prstGeom prst="rect">
-            <a:avLst/>
-          </a:prstGeom>
-          <a:noFill/>
-          <a:ln>
-            <a:noFill/>
-          </a:ln>
-        </p:spPr>
-        <p:txBody>
-          <a:bodyPr/>
-          <a:lstStyle/>
-          <a:p>
-            <a:pPr marL="457200" indent="-457200">
-              <a:lnSpc>
-                <a:spcPct val="100000"/>
-              </a:lnSpc>
-              <a:buFont typeface="+mj-lt"/>
-              <a:buAutoNum type="arabicPeriod"/>
-            </a:pPr>
-            <a:endParaRPr lang="fr-FR" sz="2400" b="0" strike="noStrike" spc="-1" dirty="0">
-              <a:solidFill>
-                <a:srgbClr val="595959"/>
-              </a:solidFill>
-              <a:uFill>
-                <a:solidFill>
-                  <a:srgbClr val="FFFFFF"/>
-                </a:solidFill>
-              </a:uFill>
-              <a:latin typeface="Tahoma"/>
-            </a:endParaRPr>
-          </a:p>
-          <a:p>
-            <a:pPr marL="1371960" lvl="2" indent="-457200">
-              <a:lnSpc>
-                <a:spcPct val="150000"/>
-              </a:lnSpc>
-              <a:buClr>
-                <a:srgbClr val="96172E"/>
-              </a:buClr>
-              <a:buSzPct val="150000"/>
-              <a:buFont typeface="+mj-lt"/>
-              <a:buAutoNum type="arabicPeriod"/>
-            </a:pPr>
-            <a:r>
-              <a:rPr lang="fr-FR" sz="2400" b="0" strike="noStrike" spc="-1" dirty="0">
-                <a:solidFill>
-                  <a:srgbClr val="595959"/>
                 </a:solidFill>
                 <a:uFill>
                   <a:solidFill>
@@ -8307,21 +9526,56 @@
               </a:rPr>
               <a:t>Introduction</a:t>
             </a:r>
-          </a:p>
-          <a:p>
-            <a:pPr marL="1371960" lvl="2" indent="-457200">
+            <a:endParaRPr lang="fr-FR" sz="3400" b="0" strike="noStrike" spc="-1" dirty="0">
+              <a:solidFill>
+                <a:srgbClr val="000000"/>
+              </a:solidFill>
+              <a:uFill>
+                <a:solidFill>
+                  <a:srgbClr val="FFFFFF"/>
+                </a:solidFill>
+              </a:uFill>
+              <a:latin typeface="Calibri"/>
+            </a:endParaRPr>
+          </a:p>
+        </p:txBody>
+      </p:sp>
+      <p:sp>
+        <p:nvSpPr>
+          <p:cNvPr id="135" name="TextShape 2"/>
+          <p:cNvSpPr txBox="1"/>
+          <p:nvPr/>
+        </p:nvSpPr>
+        <p:spPr>
+          <a:xfrm>
+            <a:off x="547430" y="2332440"/>
+            <a:ext cx="8701560" cy="4525560"/>
+          </a:xfrm>
+          <a:prstGeom prst="rect">
+            <a:avLst/>
+          </a:prstGeom>
+          <a:noFill/>
+          <a:ln>
+            <a:noFill/>
+          </a:ln>
+        </p:spPr>
+        <p:txBody>
+          <a:bodyPr/>
+          <a:lstStyle/>
+          <a:p>
+            <a:pPr marL="343080" indent="-342720">
               <a:lnSpc>
-                <a:spcPct val="150000"/>
+                <a:spcPct val="100000"/>
               </a:lnSpc>
               <a:buClr>
                 <a:srgbClr val="96172E"/>
               </a:buClr>
               <a:buSzPct val="150000"/>
-              <a:buFont typeface="+mj-lt"/>
-              <a:buAutoNum type="arabicPeriod"/>
+              <a:buFont typeface="Arial"/>
+              <a:buChar char="•"/>
             </a:pPr>
             <a:r>
-              <a:rPr lang="fr-FR" sz="2400" b="0" strike="noStrike" spc="-1" dirty="0">
+              <a:rPr lang="fr-FR" sz="3000" spc="-1" dirty="0">
                 <a:solidFill>
                   <a:srgbClr val="595959"/>
                 </a:solidFill>
@@ -8331,25 +9585,11 @@
                   </a:solidFill>
                 </a:uFill>
                 <a:latin typeface="Tahoma"/>
-                <a:ea typeface="ＭＳ Ｐゴシック"/>
               </a:rPr>
-              <a:t>Contexte</a:t>
+              <a:t>Pourquoi ce projet </a:t>
             </a:r>
-          </a:p>
-          <a:p>
-            <a:pPr marL="1371960" lvl="2" indent="-457200">
-              <a:lnSpc>
-                <a:spcPct val="150000"/>
-              </a:lnSpc>
-              <a:buClr>
-                <a:srgbClr val="96172E"/>
-              </a:buClr>
-              <a:buSzPct val="150000"/>
-              <a:buFont typeface="+mj-lt"/>
-              <a:buAutoNum type="arabicPeriod"/>
-            </a:pPr>
             <a:r>
-              <a:rPr lang="fr-FR" sz="2400" spc="-1" dirty="0">
+              <a:rPr lang="fr-FR" sz="3000" spc="-1" dirty="0" smtClean="0">
                 <a:solidFill>
                   <a:srgbClr val="595959"/>
                 </a:solidFill>
@@ -8359,25 +9599,59 @@
                   </a:solidFill>
                 </a:uFill>
                 <a:latin typeface="Tahoma"/>
-                <a:ea typeface="ＭＳ Ｐゴシック"/>
               </a:rPr>
-              <a:t>Objectifs</a:t>
+              <a:t>?</a:t>
             </a:r>
-          </a:p>
-          <a:p>
-            <a:pPr marL="1371960" lvl="2" indent="-457200">
+            <a:endParaRPr lang="fr-FR" sz="3000" spc="-1" dirty="0">
+              <a:solidFill>
+                <a:srgbClr val="595959"/>
+              </a:solidFill>
+              <a:uFill>
+                <a:solidFill>
+                  <a:srgbClr val="FFFFFF"/>
+                </a:solidFill>
+              </a:uFill>
+              <a:latin typeface="Tahoma"/>
+            </a:endParaRPr>
+          </a:p>
+          <a:p>
+            <a:pPr marL="343080" indent="-342720">
               <a:lnSpc>
-                <a:spcPct val="150000"/>
+                <a:spcPct val="100000"/>
               </a:lnSpc>
               <a:buClr>
                 <a:srgbClr val="96172E"/>
               </a:buClr>
               <a:buSzPct val="150000"/>
-              <a:buFont typeface="+mj-lt"/>
-              <a:buAutoNum type="arabicPeriod"/>
+              <a:buFont typeface="Arial"/>
+              <a:buChar char="•"/>
+            </a:pPr>
+            <a:endParaRPr lang="fr-FR" sz="3000" spc="-1" dirty="0">
+              <a:solidFill>
+                <a:srgbClr val="595959"/>
+              </a:solidFill>
+              <a:uFill>
+                <a:solidFill>
+                  <a:srgbClr val="FFFFFF"/>
+                </a:solidFill>
+              </a:uFill>
+              <a:latin typeface="Tahoma"/>
+            </a:endParaRPr>
+          </a:p>
+          <a:p>
+            <a:pPr marL="343080" indent="-342720">
+              <a:lnSpc>
+                <a:spcPct val="100000"/>
+              </a:lnSpc>
+              <a:buClr>
+                <a:srgbClr val="96172E"/>
+              </a:buClr>
+              <a:buSzPct val="150000"/>
+              <a:buFont typeface="Arial"/>
+              <a:buChar char="•"/>
             </a:pPr>
             <a:r>
-              <a:rPr lang="fr-FR" sz="2400" b="0" strike="noStrike" spc="-1" dirty="0">
+              <a:rPr lang="fr-FR" sz="3000" spc="-1" dirty="0">
                 <a:solidFill>
                   <a:srgbClr val="595959"/>
                 </a:solidFill>
@@ -8387,25 +9661,48 @@
                   </a:solidFill>
                 </a:uFill>
                 <a:latin typeface="Tahoma"/>
-                <a:ea typeface="ＭＳ Ｐゴシック"/>
               </a:rPr>
-              <a:t>Cahier des charges</a:t>
+              <a:t>Pourquoi ce jeu ?</a:t>
             </a:r>
           </a:p>
           <a:p>
-            <a:pPr marL="1371960" lvl="2" indent="-457200">
+            <a:pPr marL="343080" indent="-342720">
               <a:lnSpc>
-                <a:spcPct val="150000"/>
+                <a:spcPct val="100000"/>
               </a:lnSpc>
               <a:buClr>
                 <a:srgbClr val="96172E"/>
               </a:buClr>
               <a:buSzPct val="150000"/>
-              <a:buFont typeface="+mj-lt"/>
-              <a:buAutoNum type="arabicPeriod"/>
+              <a:buFont typeface="Arial"/>
+              <a:buChar char="•"/>
+            </a:pPr>
+            <a:endParaRPr lang="fr-FR" sz="3000" spc="-1" dirty="0">
+              <a:solidFill>
+                <a:srgbClr val="595959"/>
+              </a:solidFill>
+              <a:uFill>
+                <a:solidFill>
+                  <a:srgbClr val="FFFFFF"/>
+                </a:solidFill>
+              </a:uFill>
+              <a:latin typeface="Tahoma"/>
+            </a:endParaRPr>
+          </a:p>
+          <a:p>
+            <a:pPr marL="343080" indent="-342720">
+              <a:lnSpc>
+                <a:spcPct val="100000"/>
+              </a:lnSpc>
+              <a:buClr>
+                <a:srgbClr val="96172E"/>
+              </a:buClr>
+              <a:buSzPct val="150000"/>
+              <a:buFont typeface="Arial"/>
+              <a:buChar char="•"/>
             </a:pPr>
             <a:r>
-              <a:rPr lang="fr-FR" sz="2400" spc="-1" dirty="0">
+              <a:rPr lang="fr-FR" sz="3000" spc="-1" dirty="0">
                 <a:solidFill>
                   <a:srgbClr val="595959"/>
                 </a:solidFill>
@@ -8415,25 +9712,11 @@
                   </a:solidFill>
                 </a:uFill>
                 <a:latin typeface="Tahoma"/>
-                <a:ea typeface="ＭＳ Ｐゴシック"/>
               </a:rPr>
-              <a:t>Contraintes</a:t>
+              <a:t>Comment y jouer </a:t>
             </a:r>
-          </a:p>
-          <a:p>
-            <a:pPr marL="1371960" lvl="2" indent="-457200">
-              <a:lnSpc>
-                <a:spcPct val="150000"/>
-              </a:lnSpc>
-              <a:buClr>
-                <a:srgbClr val="96172E"/>
-              </a:buClr>
-              <a:buSzPct val="150000"/>
-              <a:buFont typeface="+mj-lt"/>
-              <a:buAutoNum type="arabicPeriod"/>
-            </a:pPr>
             <a:r>
-              <a:rPr lang="fr-FR" sz="2400" b="0" strike="noStrike" spc="-1" dirty="0">
+              <a:rPr lang="fr-FR" sz="3000" spc="-1" dirty="0" smtClean="0">
                 <a:solidFill>
                   <a:srgbClr val="595959"/>
                 </a:solidFill>
@@ -8443,54 +9726,21 @@
                   </a:solidFill>
                 </a:uFill>
                 <a:latin typeface="Tahoma"/>
-                <a:ea typeface="ＭＳ Ｐゴシック"/>
               </a:rPr>
-              <a:t>Répartition</a:t>
+              <a:t>?</a:t>
             </a:r>
-            <a:r>
-              <a:rPr lang="fr-FR" sz="2400" spc="-1" dirty="0">
-                <a:solidFill>
-                  <a:srgbClr val="595959"/>
-                </a:solidFill>
-                <a:uFill>
-                  <a:solidFill>
-                    <a:srgbClr val="FFFFFF"/>
-                  </a:solidFill>
-                </a:uFill>
-                <a:latin typeface="Tahoma"/>
-                <a:ea typeface="ＭＳ Ｐゴシック"/>
-              </a:rPr>
-              <a:t> des tâches</a:t>
-            </a:r>
-          </a:p>
-          <a:p>
-            <a:pPr marL="1371960" lvl="2" indent="-457200">
+          </a:p>
+          <a:p>
+            <a:pPr marL="360">
               <a:lnSpc>
-                <a:spcPct val="150000"/>
+                <a:spcPct val="100000"/>
               </a:lnSpc>
               <a:buClr>
                 <a:srgbClr val="96172E"/>
               </a:buClr>
               <a:buSzPct val="150000"/>
-              <a:buFont typeface="+mj-lt"/>
-              <a:buAutoNum type="arabicPeriod"/>
             </a:pPr>
-            <a:r>
-              <a:rPr lang="fr-FR" sz="2400" b="0" strike="noStrike" spc="-1" dirty="0">
-                <a:solidFill>
-                  <a:srgbClr val="595959"/>
-                </a:solidFill>
-                <a:uFill>
-                  <a:solidFill>
-                    <a:srgbClr val="FFFFFF"/>
-                  </a:solidFill>
-                </a:uFill>
-                <a:latin typeface="Tahoma"/>
-                <a:ea typeface="ＭＳ Ｐゴシック"/>
-              </a:rPr>
-              <a:t>Budget</a:t>
-            </a:r>
-            <a:endParaRPr lang="fr-FR" sz="2400" spc="-1" dirty="0">
+            <a:endParaRPr lang="fr-FR" sz="3000" spc="-1" dirty="0">
               <a:solidFill>
                 <a:srgbClr val="595959"/>
               </a:solidFill>
@@ -8500,14 +9750,34 @@
                 </a:solidFill>
               </a:uFill>
               <a:latin typeface="Tahoma"/>
-              <a:ea typeface="ＭＳ Ｐゴシック"/>
-            </a:endParaRPr>
-          </a:p>
-        </p:txBody>
-      </p:sp>
-      <p:sp>
-        <p:nvSpPr>
-          <p:cNvPr id="131" name="TextShape 3"/>
+            </a:endParaRPr>
+          </a:p>
+          <a:p>
+            <a:pPr marL="800280" lvl="1" indent="-342720">
+              <a:buClr>
+                <a:srgbClr val="96172E"/>
+              </a:buClr>
+              <a:buSzPct val="150000"/>
+              <a:buFont typeface="Arial"/>
+              <a:buChar char="•"/>
+            </a:pPr>
+            <a:endParaRPr lang="fr-FR" sz="2400" b="0" strike="noStrike" spc="-1" dirty="0">
+              <a:solidFill>
+                <a:srgbClr val="595959"/>
+              </a:solidFill>
+              <a:uFill>
+                <a:solidFill>
+                  <a:srgbClr val="FFFFFF"/>
+                </a:solidFill>
+              </a:uFill>
+              <a:latin typeface="Tahoma"/>
+            </a:endParaRPr>
+          </a:p>
+        </p:txBody>
+      </p:sp>
+      <p:sp>
+        <p:nvSpPr>
+          <p:cNvPr id="136" name="TextShape 3"/>
           <p:cNvSpPr txBox="1"/>
           <p:nvPr/>
         </p:nvSpPr>
@@ -8552,7 +9822,7 @@
       </p:sp>
       <p:sp>
         <p:nvSpPr>
-          <p:cNvPr id="132" name="TextShape 4"/>
+          <p:cNvPr id="137" name="TextShape 4"/>
           <p:cNvSpPr txBox="1"/>
           <p:nvPr/>
         </p:nvSpPr>
@@ -8578,7 +9848,7 @@
                 <a:spcPct val="100000"/>
               </a:lnSpc>
             </a:pPr>
-            <a:fld id="{61AE9403-2A69-48E7-B402-EE5EF8EFD142}" type="slidenum">
+            <a:fld id="{E9EDF28C-4B81-42BC-B243-B4BF927BF7F0}" type="slidenum">
               <a:rPr lang="en-US" sz="1050" b="0" strike="noStrike" spc="-1">
                 <a:solidFill>
                   <a:srgbClr val="8B8B8B"/>
@@ -8608,7 +9878,7 @@
       </p:sp>
       <p:sp>
         <p:nvSpPr>
-          <p:cNvPr id="133" name="TextShape 5"/>
+          <p:cNvPr id="138" name="TextShape 5"/>
           <p:cNvSpPr txBox="1"/>
           <p:nvPr/>
         </p:nvSpPr>
@@ -8661,6 +9931,155 @@
             </a:endParaRPr>
           </a:p>
         </p:txBody>
+      </p:sp>
+      <p:pic>
+        <p:nvPicPr>
+          <p:cNvPr id="1026" name="Picture 2" descr="Résultat de recherche d'images pour &quot;pingouins jeu de société&quot;"/>
+          <p:cNvPicPr>
+            <a:picLocks noChangeAspect="1" noChangeArrowheads="1"/>
+          </p:cNvPicPr>
+          <p:nvPr/>
+        </p:nvPicPr>
+        <p:blipFill>
+          <a:blip r:embed="rId2">
+            <a:extLst>
+              <a:ext uri="{28A0092B-C50C-407E-A947-70E740481C1C}">
+                <a14:useLocalDpi xmlns:a14="http://schemas.microsoft.com/office/drawing/2010/main" val="0"/>
+              </a:ext>
+            </a:extLst>
+          </a:blip>
+          <a:srcRect/>
+          <a:stretch>
+            <a:fillRect/>
+          </a:stretch>
+        </p:blipFill>
+        <p:spPr bwMode="auto">
+          <a:xfrm>
+            <a:off x="4898210" y="1639436"/>
+            <a:ext cx="3908830" cy="2951037"/>
+          </a:xfrm>
+          <a:prstGeom prst="rect">
+            <a:avLst/>
+          </a:prstGeom>
+          <a:noFill/>
+          <a:extLst>
+            <a:ext uri="{909E8E84-426E-40DD-AFC4-6F175D3DCCD1}">
+              <a14:hiddenFill xmlns:a14="http://schemas.microsoft.com/office/drawing/2010/main">
+                <a:solidFill>
+                  <a:srgbClr val="FFFFFF"/>
+                </a:solidFill>
+              </a14:hiddenFill>
+            </a:ext>
+          </a:extLst>
+        </p:spPr>
+      </p:pic>
+      <p:pic>
+        <p:nvPicPr>
+          <p:cNvPr id="1028" name="Picture 4" descr="Résultat de recherche d'images pour &quot;hey that's my fish&quot;"/>
+          <p:cNvPicPr>
+            <a:picLocks noChangeAspect="1" noChangeArrowheads="1"/>
+          </p:cNvPicPr>
+          <p:nvPr/>
+        </p:nvPicPr>
+        <p:blipFill>
+          <a:blip r:embed="rId3">
+            <a:extLst>
+              <a:ext uri="{28A0092B-C50C-407E-A947-70E740481C1C}">
+                <a14:useLocalDpi xmlns:a14="http://schemas.microsoft.com/office/drawing/2010/main" val="0"/>
+              </a:ext>
+            </a:extLst>
+          </a:blip>
+          <a:srcRect/>
+          <a:stretch>
+            <a:fillRect/>
+          </a:stretch>
+        </p:blipFill>
+        <p:spPr bwMode="auto">
+          <a:xfrm>
+            <a:off x="2765945" y="4871748"/>
+            <a:ext cx="2857500" cy="1704976"/>
+          </a:xfrm>
+          <a:prstGeom prst="rect">
+            <a:avLst/>
+          </a:prstGeom>
+          <a:noFill/>
+          <a:extLst>
+            <a:ext uri="{909E8E84-426E-40DD-AFC4-6F175D3DCCD1}">
+              <a14:hiddenFill xmlns:a14="http://schemas.microsoft.com/office/drawing/2010/main">
+                <a:solidFill>
+                  <a:srgbClr val="FFFFFF"/>
+                </a:solidFill>
+              </a14:hiddenFill>
+            </a:ext>
+          </a:extLst>
+        </p:spPr>
+      </p:pic>
+      <p:sp>
+        <p:nvSpPr>
+          <p:cNvPr id="12" name="Forme 11"/>
+          <p:cNvSpPr/>
+          <p:nvPr/>
+        </p:nvSpPr>
+        <p:spPr>
+          <a:xfrm flipH="1" flipV="1">
+            <a:off x="5460488" y="4098561"/>
+            <a:ext cx="1066141" cy="1546374"/>
+          </a:xfrm>
+          <a:prstGeom prst="swooshArrow">
+            <a:avLst>
+              <a:gd name="adj1" fmla="val 25000"/>
+              <a:gd name="adj2" fmla="val 25000"/>
+            </a:avLst>
+          </a:prstGeom>
+          <a:ln>
+            <a:solidFill>
+              <a:schemeClr val="tx1"/>
+            </a:solidFill>
+          </a:ln>
+          <a:effectLst>
+            <a:outerShdw blurRad="50800" dist="38100" dir="2700000" algn="tl" rotWithShape="0">
+              <a:prstClr val="black">
+                <a:alpha val="40000"/>
+              </a:prstClr>
+            </a:outerShdw>
+          </a:effectLst>
+        </p:spPr>
+        <p:style>
+          <a:lnRef idx="0">
+            <a:schemeClr val="accent1">
+              <a:hueOff val="0"/>
+              <a:satOff val="0"/>
+              <a:lumOff val="0"/>
+              <a:alphaOff val="0"/>
+            </a:schemeClr>
+          </a:lnRef>
+          <a:fillRef idx="1">
+            <a:schemeClr val="accent1">
+              <a:tint val="40000"/>
+              <a:hueOff val="0"/>
+              <a:satOff val="0"/>
+              <a:lumOff val="0"/>
+              <a:alphaOff val="0"/>
+            </a:schemeClr>
+          </a:fillRef>
+          <a:effectRef idx="0">
+            <a:schemeClr val="accent1">
+              <a:tint val="40000"/>
+              <a:hueOff val="0"/>
+              <a:satOff val="0"/>
+              <a:lumOff val="0"/>
+              <a:alphaOff val="0"/>
+            </a:schemeClr>
+          </a:effectRef>
+          <a:fontRef idx="minor">
+            <a:schemeClr val="dk1">
+              <a:hueOff val="0"/>
+              <a:satOff val="0"/>
+              <a:lumOff val="0"/>
+              <a:alphaOff val="0"/>
+            </a:schemeClr>
+          </a:fontRef>
+        </p:style>
       </p:sp>
     </p:spTree>
   </p:cSld>
@@ -8755,7 +10174,7 @@
                 <a:latin typeface="Tahoma"/>
                 <a:ea typeface="ＭＳ Ｐゴシック"/>
               </a:rPr>
-              <a:t>Introduction</a:t>
+              <a:t>Contexte</a:t>
             </a:r>
             <a:endParaRPr lang="fr-FR" sz="3400" b="0" strike="noStrike" spc="-1" dirty="0">
               <a:solidFill>
@@ -8779,7 +10198,7 @@
         </p:nvSpPr>
         <p:spPr>
           <a:xfrm>
-            <a:off x="552910" y="2332440"/>
+            <a:off x="374940" y="1707483"/>
             <a:ext cx="8701560" cy="4525560"/>
           </a:xfrm>
           <a:prstGeom prst="rect">
@@ -8795,9 +10214,68 @@
           <a:lstStyle/>
           <a:p>
             <a:pPr marL="343080" indent="-342720">
-              <a:lnSpc>
-                <a:spcPct val="100000"/>
-              </a:lnSpc>
+              <a:buClr>
+                <a:srgbClr val="96172E"/>
+              </a:buClr>
+              <a:buSzPct val="150000"/>
+              <a:buFont typeface="Arial"/>
+              <a:buChar char="•"/>
+            </a:pPr>
+            <a:r>
+              <a:rPr lang="fr-FR" sz="3000" b="0" strike="noStrike" spc="-1" dirty="0">
+                <a:solidFill>
+                  <a:srgbClr val="595959"/>
+                </a:solidFill>
+                <a:uFill>
+                  <a:solidFill>
+                    <a:srgbClr val="FFFFFF"/>
+                  </a:solidFill>
+                </a:uFill>
+                <a:latin typeface="Tahoma"/>
+              </a:rPr>
+              <a:t>Contraintes du jeu réel</a:t>
+            </a:r>
+          </a:p>
+          <a:p>
+            <a:pPr marL="360">
+              <a:buClr>
+                <a:srgbClr val="96172E"/>
+              </a:buClr>
+              <a:buSzPct val="150000"/>
+            </a:pPr>
+            <a:endParaRPr lang="fr-FR" sz="3000" spc="-1" dirty="0">
+              <a:solidFill>
+                <a:srgbClr val="595959"/>
+              </a:solidFill>
+              <a:uFill>
+                <a:solidFill>
+                  <a:srgbClr val="FFFFFF"/>
+                </a:solidFill>
+              </a:uFill>
+              <a:latin typeface="Tahoma"/>
+            </a:endParaRPr>
+          </a:p>
+          <a:p>
+            <a:pPr marL="360">
+              <a:buClr>
+                <a:srgbClr val="96172E"/>
+              </a:buClr>
+              <a:buSzPct val="150000"/>
+            </a:pPr>
+            <a:endParaRPr lang="fr-FR" sz="3000" spc="-1" dirty="0">
+              <a:solidFill>
+                <a:srgbClr val="595959"/>
+              </a:solidFill>
+              <a:uFill>
+                <a:solidFill>
+                  <a:srgbClr val="FFFFFF"/>
+                </a:solidFill>
+              </a:uFill>
+              <a:latin typeface="Tahoma"/>
+            </a:endParaRPr>
+          </a:p>
+          <a:p>
+            <a:pPr marL="343080" indent="-342720">
               <a:buClr>
                 <a:srgbClr val="96172E"/>
               </a:buClr>
@@ -8817,120 +10295,8 @@
                 </a:uFill>
                 <a:latin typeface="Tahoma"/>
               </a:rPr>
-              <a:t>Pourquoi ce projet ?</a:t>
+              <a:t>Existence d’une version mobile</a:t>
             </a:r>
-          </a:p>
-          <a:p>
-            <a:pPr marL="343080" indent="-342720">
-              <a:lnSpc>
-                <a:spcPct val="100000"/>
-              </a:lnSpc>
-              <a:buClr>
-                <a:srgbClr val="96172E"/>
-              </a:buClr>
-              <a:buSzPct val="150000"/>
-              <a:buFont typeface="Arial"/>
-              <a:buChar char="•"/>
-            </a:pPr>
-            <a:endParaRPr lang="fr-FR" sz="3000" spc="-1" dirty="0">
-              <a:solidFill>
-                <a:srgbClr val="595959"/>
-              </a:solidFill>
-              <a:uFill>
-                <a:solidFill>
-                  <a:srgbClr val="FFFFFF"/>
-                </a:solidFill>
-              </a:uFill>
-              <a:latin typeface="Tahoma"/>
-            </a:endParaRPr>
-          </a:p>
-          <a:p>
-            <a:pPr marL="343080" indent="-342720">
-              <a:lnSpc>
-                <a:spcPct val="100000"/>
-              </a:lnSpc>
-              <a:buClr>
-                <a:srgbClr val="96172E"/>
-              </a:buClr>
-              <a:buSzPct val="150000"/>
-              <a:buFont typeface="Arial"/>
-              <a:buChar char="•"/>
-            </a:pPr>
-            <a:r>
-              <a:rPr lang="fr-FR" sz="3000" spc="-1" dirty="0">
-                <a:solidFill>
-                  <a:srgbClr val="595959"/>
-                </a:solidFill>
-                <a:uFill>
-                  <a:solidFill>
-                    <a:srgbClr val="FFFFFF"/>
-                  </a:solidFill>
-                </a:uFill>
-                <a:latin typeface="Tahoma"/>
-              </a:rPr>
-              <a:t>Pourquoi ce jeu ?</a:t>
-            </a:r>
-          </a:p>
-          <a:p>
-            <a:pPr marL="343080" indent="-342720">
-              <a:lnSpc>
-                <a:spcPct val="100000"/>
-              </a:lnSpc>
-              <a:buClr>
-                <a:srgbClr val="96172E"/>
-              </a:buClr>
-              <a:buSzPct val="150000"/>
-              <a:buFont typeface="Arial"/>
-              <a:buChar char="•"/>
-            </a:pPr>
-            <a:endParaRPr lang="fr-FR" sz="3000" spc="-1" dirty="0">
-              <a:solidFill>
-                <a:srgbClr val="595959"/>
-              </a:solidFill>
-              <a:uFill>
-                <a:solidFill>
-                  <a:srgbClr val="FFFFFF"/>
-                </a:solidFill>
-              </a:uFill>
-              <a:latin typeface="Tahoma"/>
-            </a:endParaRPr>
-          </a:p>
-          <a:p>
-            <a:pPr marL="343080" indent="-342720">
-              <a:lnSpc>
-                <a:spcPct val="100000"/>
-              </a:lnSpc>
-              <a:buClr>
-                <a:srgbClr val="96172E"/>
-              </a:buClr>
-              <a:buSzPct val="150000"/>
-              <a:buFont typeface="Arial"/>
-              <a:buChar char="•"/>
-            </a:pPr>
-            <a:r>
-              <a:rPr lang="fr-FR" sz="3000" spc="-1" dirty="0">
-                <a:solidFill>
-                  <a:srgbClr val="595959"/>
-                </a:solidFill>
-                <a:uFill>
-                  <a:solidFill>
-                    <a:srgbClr val="FFFFFF"/>
-                  </a:solidFill>
-                </a:uFill>
-                <a:latin typeface="Tahoma"/>
-              </a:rPr>
-              <a:t>Comment y jouer ?</a:t>
-            </a:r>
-          </a:p>
-          <a:p>
-            <a:pPr marL="800280" lvl="1" indent="-342720">
-              <a:buClr>
-                <a:srgbClr val="96172E"/>
-              </a:buClr>
-              <a:buSzPct val="150000"/>
-              <a:buFont typeface="Arial"/>
-              <a:buChar char="•"/>
-            </a:pPr>
             <a:endParaRPr lang="fr-FR" sz="2400" b="0" strike="noStrike" spc="-1" dirty="0">
               <a:solidFill>
                 <a:srgbClr val="595959"/>
@@ -8953,7 +10319,7 @@
         </p:nvSpPr>
         <p:spPr>
           <a:xfrm>
-            <a:off x="3351240" y="6348240"/>
+            <a:off x="3345120" y="6356520"/>
             <a:ext cx="2453760" cy="364680"/>
           </a:xfrm>
           <a:prstGeom prst="rect">
@@ -8987,6 +10353,17 @@
               </a:rPr>
               <a:t>RVP1</a:t>
             </a:r>
+            <a:endParaRPr lang="en-US" sz="1400" b="0" strike="noStrike" spc="-1" dirty="0">
+              <a:solidFill>
+                <a:srgbClr val="000000"/>
+              </a:solidFill>
+              <a:uFill>
+                <a:solidFill>
+                  <a:srgbClr val="FFFFFF"/>
+                </a:solidFill>
+              </a:uFill>
+              <a:latin typeface="Times New Roman"/>
+            </a:endParaRPr>
           </a:p>
         </p:txBody>
       </p:sp>
@@ -9102,7 +10479,150 @@
           </a:p>
         </p:txBody>
       </p:sp>
+      <p:pic>
+        <p:nvPicPr>
+          <p:cNvPr id="2050" name="Picture 2" descr="Résultat de recherche d'images pour &quot;hey that's my fish&quot;"/>
+          <p:cNvPicPr>
+            <a:picLocks noChangeAspect="1" noChangeArrowheads="1"/>
+          </p:cNvPicPr>
+          <p:nvPr/>
+        </p:nvPicPr>
+        <p:blipFill>
+          <a:blip r:embed="rId2">
+            <a:extLst>
+              <a:ext uri="{28A0092B-C50C-407E-A947-70E740481C1C}">
+                <a14:useLocalDpi xmlns:a14="http://schemas.microsoft.com/office/drawing/2010/main" val="0"/>
+              </a:ext>
+            </a:extLst>
+          </a:blip>
+          <a:srcRect/>
+          <a:stretch>
+            <a:fillRect/>
+          </a:stretch>
+        </p:blipFill>
+        <p:spPr bwMode="auto">
+          <a:xfrm>
+            <a:off x="4901363" y="3759613"/>
+            <a:ext cx="3808828" cy="2285297"/>
+          </a:xfrm>
+          <a:prstGeom prst="rect">
+            <a:avLst/>
+          </a:prstGeom>
+          <a:ln>
+            <a:noFill/>
+          </a:ln>
+          <a:effectLst>
+            <a:outerShdw blurRad="292100" dist="139700" dir="2700000" algn="tl" rotWithShape="0">
+              <a:srgbClr val="333333">
+                <a:alpha val="65000"/>
+              </a:srgbClr>
+            </a:outerShdw>
+          </a:effectLst>
+          <a:extLst>
+            <a:ext uri="{909E8E84-426E-40DD-AFC4-6F175D3DCCD1}">
+              <a14:hiddenFill xmlns:a14="http://schemas.microsoft.com/office/drawing/2010/main">
+                <a:solidFill>
+                  <a:srgbClr val="FFFFFF"/>
+                </a:solidFill>
+              </a14:hiddenFill>
+            </a:ext>
+          </a:extLst>
+        </p:spPr>
+      </p:pic>
+      <p:pic>
+        <p:nvPicPr>
+          <p:cNvPr id="2052" name="Picture 4" descr="Résultat de recherche d'images pour &quot;hey that's my fish&quot;"/>
+          <p:cNvPicPr>
+            <a:picLocks noChangeAspect="1" noChangeArrowheads="1"/>
+          </p:cNvPicPr>
+          <p:nvPr/>
+        </p:nvPicPr>
+        <p:blipFill>
+          <a:blip r:embed="rId3">
+            <a:extLst>
+              <a:ext uri="{28A0092B-C50C-407E-A947-70E740481C1C}">
+                <a14:useLocalDpi xmlns:a14="http://schemas.microsoft.com/office/drawing/2010/main" val="0"/>
+              </a:ext>
+            </a:extLst>
+          </a:blip>
+          <a:srcRect/>
+          <a:stretch>
+            <a:fillRect/>
+          </a:stretch>
+        </p:blipFill>
+        <p:spPr bwMode="auto">
+          <a:xfrm>
+            <a:off x="4878287" y="1316880"/>
+            <a:ext cx="3928753" cy="1831721"/>
+          </a:xfrm>
+          <a:prstGeom prst="rect">
+            <a:avLst/>
+          </a:prstGeom>
+          <a:ln>
+            <a:noFill/>
+          </a:ln>
+          <a:effectLst>
+            <a:outerShdw blurRad="190500" algn="tl" rotWithShape="0">
+              <a:srgbClr val="000000">
+                <a:alpha val="70000"/>
+              </a:srgbClr>
+            </a:outerShdw>
+          </a:effectLst>
+          <a:extLst>
+            <a:ext uri="{909E8E84-426E-40DD-AFC4-6F175D3DCCD1}">
+              <a14:hiddenFill xmlns:a14="http://schemas.microsoft.com/office/drawing/2010/main">
+                <a:solidFill>
+                  <a:srgbClr val="FFFFFF"/>
+                </a:solidFill>
+              </a14:hiddenFill>
+            </a:ext>
+          </a:extLst>
+        </p:spPr>
+      </p:pic>
+      <p:pic>
+        <p:nvPicPr>
+          <p:cNvPr id="3" name="Image 2"/>
+          <p:cNvPicPr>
+            <a:picLocks noChangeAspect="1"/>
+          </p:cNvPicPr>
+          <p:nvPr/>
+        </p:nvPicPr>
+        <p:blipFill>
+          <a:blip r:embed="rId4"/>
+          <a:stretch>
+            <a:fillRect/>
+          </a:stretch>
+        </p:blipFill>
+        <p:spPr>
+          <a:xfrm>
+            <a:off x="147782" y="3934752"/>
+            <a:ext cx="4613036" cy="1935018"/>
+          </a:xfrm>
+          <a:prstGeom prst="rect">
+            <a:avLst/>
+          </a:prstGeom>
+          <a:ln w="38100" cap="sq">
+            <a:solidFill>
+              <a:srgbClr val="000000"/>
+            </a:solidFill>
+            <a:prstDash val="solid"/>
+            <a:miter lim="800000"/>
+          </a:ln>
+          <a:effectLst>
+            <a:outerShdw blurRad="50800" dist="38100" dir="2700000" algn="tl" rotWithShape="0">
+              <a:srgbClr val="000000">
+                <a:alpha val="43000"/>
+              </a:srgbClr>
+            </a:outerShdw>
+          </a:effectLst>
+        </p:spPr>
+      </p:pic>
     </p:spTree>
+    <p:extLst>
+      <p:ext uri="{BB962C8B-B14F-4D97-AF65-F5344CB8AC3E}">
+        <p14:creationId xmlns:p14="http://schemas.microsoft.com/office/powerpoint/2010/main" val="1787956011"/>
+      </p:ext>
+    </p:extLst>
   </p:cSld>
   <p:clrMapOvr>
     <a:masterClrMapping/>
@@ -9156,14 +10676,14 @@
       </p:grpSpPr>
       <p:sp>
         <p:nvSpPr>
-          <p:cNvPr id="134" name="TextShape 1"/>
+          <p:cNvPr id="129" name="TextShape 1"/>
           <p:cNvSpPr txBox="1"/>
           <p:nvPr/>
         </p:nvSpPr>
         <p:spPr>
           <a:xfrm>
             <a:off x="2961000" y="174240"/>
-            <a:ext cx="3529440" cy="1142640"/>
+            <a:ext cx="4615200" cy="1142640"/>
           </a:xfrm>
           <a:prstGeom prst="rect">
             <a:avLst/>
@@ -9177,7 +10697,7 @@
           <a:bodyPr anchor="ctr"/>
           <a:lstStyle/>
           <a:p>
-            <a:pPr algn="r">
+            <a:pPr algn="ctr">
               <a:lnSpc>
                 <a:spcPct val="100000"/>
               </a:lnSpc>
@@ -9195,7 +10715,7 @@
                 <a:latin typeface="Tahoma"/>
                 <a:ea typeface="ＭＳ Ｐゴシック"/>
               </a:rPr>
-              <a:t>Contexte</a:t>
+              <a:t>Sommaire</a:t>
             </a:r>
             <a:endParaRPr lang="fr-FR" sz="3400" b="0" strike="noStrike" spc="-1" dirty="0">
               <a:solidFill>
@@ -9213,14 +10733,14 @@
       </p:sp>
       <p:sp>
         <p:nvSpPr>
-          <p:cNvPr id="135" name="TextShape 2"/>
+          <p:cNvPr id="130" name="TextShape 2"/>
           <p:cNvSpPr txBox="1"/>
           <p:nvPr/>
         </p:nvSpPr>
         <p:spPr>
           <a:xfrm>
-            <a:off x="533879" y="2668629"/>
-            <a:ext cx="8701560" cy="4525560"/>
+            <a:off x="322200" y="1633680"/>
+            <a:ext cx="8497440" cy="4525560"/>
           </a:xfrm>
           <a:prstGeom prst="rect">
             <a:avLst/>
@@ -9234,16 +10754,39 @@
           <a:bodyPr/>
           <a:lstStyle/>
           <a:p>
-            <a:pPr marL="343080" indent="-342720">
+            <a:pPr marL="457200" indent="-457200">
+              <a:lnSpc>
+                <a:spcPct val="100000"/>
+              </a:lnSpc>
+              <a:buFont typeface="+mj-lt"/>
+              <a:buAutoNum type="arabicPeriod"/>
+            </a:pPr>
+            <a:endParaRPr lang="fr-FR" sz="2400" b="0" strike="noStrike" spc="-1" dirty="0">
+              <a:solidFill>
+                <a:srgbClr val="595959"/>
+              </a:solidFill>
+              <a:uFill>
+                <a:solidFill>
+                  <a:srgbClr val="FFFFFF"/>
+                </a:solidFill>
+              </a:uFill>
+              <a:latin typeface="Tahoma"/>
+            </a:endParaRPr>
+          </a:p>
+          <a:p>
+            <a:pPr marL="1371960" lvl="2" indent="-457200">
+              <a:lnSpc>
+                <a:spcPct val="150000"/>
+              </a:lnSpc>
               <a:buClr>
                 <a:srgbClr val="96172E"/>
               </a:buClr>
               <a:buSzPct val="150000"/>
-              <a:buFont typeface="Arial"/>
-              <a:buChar char="•"/>
+              <a:buFont typeface="+mj-lt"/>
+              <a:buAutoNum type="arabicPeriod"/>
             </a:pPr>
             <a:r>
-              <a:rPr lang="fr-FR" sz="3000" b="0" strike="noStrike" spc="-1" dirty="0">
+              <a:rPr lang="fr-FR" sz="2400" spc="-1" dirty="0" smtClean="0">
                 <a:solidFill>
                   <a:srgbClr val="595959"/>
                 </a:solidFill>
@@ -9253,59 +10796,37 @@
                   </a:solidFill>
                 </a:uFill>
                 <a:latin typeface="Tahoma"/>
+                <a:ea typeface="ＭＳ Ｐゴシック"/>
               </a:rPr>
-              <a:t>Contraintes du jeu réel</a:t>
+              <a:t>Objectifs</a:t>
             </a:r>
-          </a:p>
-          <a:p>
-            <a:pPr marL="360">
+            <a:endParaRPr lang="fr-FR" sz="2400" spc="-1" dirty="0">
+              <a:solidFill>
+                <a:srgbClr val="595959"/>
+              </a:solidFill>
+              <a:uFill>
+                <a:solidFill>
+                  <a:srgbClr val="FFFFFF"/>
+                </a:solidFill>
+              </a:uFill>
+              <a:latin typeface="Tahoma"/>
+              <a:ea typeface="ＭＳ Ｐゴシック"/>
+            </a:endParaRPr>
+          </a:p>
+          <a:p>
+            <a:pPr marL="1371960" lvl="2" indent="-457200">
+              <a:lnSpc>
+                <a:spcPct val="150000"/>
+              </a:lnSpc>
               <a:buClr>
                 <a:srgbClr val="96172E"/>
               </a:buClr>
               <a:buSzPct val="150000"/>
-            </a:pPr>
-            <a:endParaRPr lang="fr-FR" sz="3000" spc="-1" dirty="0">
-              <a:solidFill>
-                <a:srgbClr val="595959"/>
-              </a:solidFill>
-              <a:uFill>
-                <a:solidFill>
-                  <a:srgbClr val="FFFFFF"/>
-                </a:solidFill>
-              </a:uFill>
-              <a:latin typeface="Tahoma"/>
-            </a:endParaRPr>
-          </a:p>
-          <a:p>
-            <a:pPr marL="360">
-              <a:buClr>
-                <a:srgbClr val="96172E"/>
-              </a:buClr>
-              <a:buSzPct val="150000"/>
-            </a:pPr>
-            <a:endParaRPr lang="fr-FR" sz="3000" spc="-1" dirty="0">
-              <a:solidFill>
-                <a:srgbClr val="595959"/>
-              </a:solidFill>
-              <a:uFill>
-                <a:solidFill>
-                  <a:srgbClr val="FFFFFF"/>
-                </a:solidFill>
-              </a:uFill>
-              <a:latin typeface="Tahoma"/>
-            </a:endParaRPr>
-          </a:p>
-          <a:p>
-            <a:pPr marL="343080" indent="-342720">
-              <a:buClr>
-                <a:srgbClr val="96172E"/>
-              </a:buClr>
-              <a:buSzPct val="150000"/>
-              <a:buFont typeface="Arial"/>
-              <a:buChar char="•"/>
+              <a:buFont typeface="+mj-lt"/>
+              <a:buAutoNum type="arabicPeriod"/>
             </a:pPr>
             <a:r>
-              <a:rPr lang="fr-FR" sz="3000" spc="-1" dirty="0">
+              <a:rPr lang="fr-FR" sz="2400" b="0" strike="noStrike" spc="-1" dirty="0">
                 <a:solidFill>
                   <a:srgbClr val="595959"/>
                 </a:solidFill>
@@ -9315,10 +10836,110 @@
                   </a:solidFill>
                 </a:uFill>
                 <a:latin typeface="Tahoma"/>
+                <a:ea typeface="ＭＳ Ｐゴシック"/>
               </a:rPr>
-              <a:t>Existence d’une version mobile</a:t>
+              <a:t>Cahier des charges</a:t>
             </a:r>
-            <a:endParaRPr lang="fr-FR" sz="2400" b="0" strike="noStrike" spc="-1" dirty="0">
+          </a:p>
+          <a:p>
+            <a:pPr marL="1371960" lvl="2" indent="-457200">
+              <a:lnSpc>
+                <a:spcPct val="150000"/>
+              </a:lnSpc>
+              <a:buClr>
+                <a:srgbClr val="96172E"/>
+              </a:buClr>
+              <a:buSzPct val="150000"/>
+              <a:buFont typeface="+mj-lt"/>
+              <a:buAutoNum type="arabicPeriod"/>
+            </a:pPr>
+            <a:r>
+              <a:rPr lang="fr-FR" sz="2400" spc="-1" dirty="0">
+                <a:solidFill>
+                  <a:srgbClr val="595959"/>
+                </a:solidFill>
+                <a:uFill>
+                  <a:solidFill>
+                    <a:srgbClr val="FFFFFF"/>
+                  </a:solidFill>
+                </a:uFill>
+                <a:latin typeface="Tahoma"/>
+                <a:ea typeface="ＭＳ Ｐゴシック"/>
+              </a:rPr>
+              <a:t>Contraintes</a:t>
+            </a:r>
+          </a:p>
+          <a:p>
+            <a:pPr marL="1371960" lvl="2" indent="-457200">
+              <a:lnSpc>
+                <a:spcPct val="150000"/>
+              </a:lnSpc>
+              <a:buClr>
+                <a:srgbClr val="96172E"/>
+              </a:buClr>
+              <a:buSzPct val="150000"/>
+              <a:buFont typeface="+mj-lt"/>
+              <a:buAutoNum type="arabicPeriod"/>
+            </a:pPr>
+            <a:r>
+              <a:rPr lang="fr-FR" sz="2400" b="0" strike="noStrike" spc="-1" dirty="0">
+                <a:solidFill>
+                  <a:srgbClr val="595959"/>
+                </a:solidFill>
+                <a:uFill>
+                  <a:solidFill>
+                    <a:srgbClr val="FFFFFF"/>
+                  </a:solidFill>
+                </a:uFill>
+                <a:latin typeface="Tahoma"/>
+                <a:ea typeface="ＭＳ Ｐゴシック"/>
+              </a:rPr>
+              <a:t>Répartition</a:t>
+            </a:r>
+            <a:r>
+              <a:rPr lang="fr-FR" sz="2400" spc="-1" dirty="0">
+                <a:solidFill>
+                  <a:srgbClr val="595959"/>
+                </a:solidFill>
+                <a:uFill>
+                  <a:solidFill>
+                    <a:srgbClr val="FFFFFF"/>
+                  </a:solidFill>
+                </a:uFill>
+                <a:latin typeface="Tahoma"/>
+                <a:ea typeface="ＭＳ Ｐゴシック"/>
+              </a:rPr>
+              <a:t> des tâches</a:t>
+            </a:r>
+          </a:p>
+          <a:p>
+            <a:pPr marL="1371960" lvl="2" indent="-457200">
+              <a:lnSpc>
+                <a:spcPct val="150000"/>
+              </a:lnSpc>
+              <a:buClr>
+                <a:srgbClr val="96172E"/>
+              </a:buClr>
+              <a:buSzPct val="150000"/>
+              <a:buFont typeface="+mj-lt"/>
+              <a:buAutoNum type="arabicPeriod"/>
+            </a:pPr>
+            <a:r>
+              <a:rPr lang="fr-FR" sz="2400" b="0" strike="noStrike" spc="-1" dirty="0">
+                <a:solidFill>
+                  <a:srgbClr val="595959"/>
+                </a:solidFill>
+                <a:uFill>
+                  <a:solidFill>
+                    <a:srgbClr val="FFFFFF"/>
+                  </a:solidFill>
+                </a:uFill>
+                <a:latin typeface="Tahoma"/>
+                <a:ea typeface="ＭＳ Ｐゴシック"/>
+              </a:rPr>
+              <a:t>Budget</a:t>
+            </a:r>
+            <a:endParaRPr lang="fr-FR" sz="2400" spc="-1" dirty="0">
               <a:solidFill>
                 <a:srgbClr val="595959"/>
               </a:solidFill>
@@ -9328,19 +10949,20 @@
                 </a:solidFill>
               </a:uFill>
               <a:latin typeface="Tahoma"/>
-            </a:endParaRPr>
-          </a:p>
-        </p:txBody>
-      </p:sp>
-      <p:sp>
-        <p:nvSpPr>
-          <p:cNvPr id="136" name="TextShape 3"/>
+              <a:ea typeface="ＭＳ Ｐゴシック"/>
+            </a:endParaRPr>
+          </a:p>
+        </p:txBody>
+      </p:sp>
+      <p:sp>
+        <p:nvSpPr>
+          <p:cNvPr id="131" name="TextShape 3"/>
           <p:cNvSpPr txBox="1"/>
           <p:nvPr/>
         </p:nvSpPr>
         <p:spPr>
           <a:xfrm>
-            <a:off x="3345120" y="6356520"/>
+            <a:off x="3351240" y="6348240"/>
             <a:ext cx="2453760" cy="364680"/>
           </a:xfrm>
           <a:prstGeom prst="rect">
@@ -9374,23 +10996,12 @@
               </a:rPr>
               <a:t>RVP1</a:t>
             </a:r>
-            <a:endParaRPr lang="en-US" sz="1400" b="0" strike="noStrike" spc="-1" dirty="0">
-              <a:solidFill>
-                <a:srgbClr val="000000"/>
-              </a:solidFill>
-              <a:uFill>
-                <a:solidFill>
-                  <a:srgbClr val="FFFFFF"/>
-                </a:solidFill>
-              </a:uFill>
-              <a:latin typeface="Times New Roman"/>
-            </a:endParaRPr>
-          </a:p>
-        </p:txBody>
-      </p:sp>
-      <p:sp>
-        <p:nvSpPr>
-          <p:cNvPr id="137" name="TextShape 4"/>
+          </a:p>
+        </p:txBody>
+      </p:sp>
+      <p:sp>
+        <p:nvSpPr>
+          <p:cNvPr id="132" name="TextShape 4"/>
           <p:cNvSpPr txBox="1"/>
           <p:nvPr/>
         </p:nvSpPr>
@@ -9416,7 +11027,7 @@
                 <a:spcPct val="100000"/>
               </a:lnSpc>
             </a:pPr>
-            <a:fld id="{E9EDF28C-4B81-42BC-B243-B4BF927BF7F0}" type="slidenum">
+            <a:fld id="{61AE9403-2A69-48E7-B402-EE5EF8EFD142}" type="slidenum">
               <a:rPr lang="en-US" sz="1050" b="0" strike="noStrike" spc="-1">
                 <a:solidFill>
                   <a:srgbClr val="8B8B8B"/>
@@ -9446,7 +11057,7 @@
       </p:sp>
       <p:sp>
         <p:nvSpPr>
-          <p:cNvPr id="138" name="TextShape 5"/>
+          <p:cNvPr id="133" name="TextShape 5"/>
           <p:cNvSpPr txBox="1"/>
           <p:nvPr/>
         </p:nvSpPr>
@@ -9501,11 +11112,6 @@
         </p:txBody>
       </p:sp>
     </p:spTree>
-    <p:extLst>
-      <p:ext uri="{BB962C8B-B14F-4D97-AF65-F5344CB8AC3E}">
-        <p14:creationId xmlns:p14="http://schemas.microsoft.com/office/powerpoint/2010/main" val="1787956011"/>
-      </p:ext>
-    </p:extLst>
   </p:cSld>
   <p:clrMapOvr>
     <a:masterClrMapping/>
@@ -9611,8 +11217,8 @@
         </p:nvSpPr>
         <p:spPr>
           <a:xfrm>
-            <a:off x="374940" y="2013300"/>
-            <a:ext cx="8701560" cy="4525560"/>
+            <a:off x="374940" y="1036860"/>
+            <a:ext cx="8701560" cy="5319660"/>
           </a:xfrm>
           <a:prstGeom prst="rect">
             <a:avLst/>
@@ -9687,8 +11293,84 @@
                 </a:uFill>
                 <a:latin typeface="Tahoma"/>
               </a:rPr>
-              <a:t>ogiciel open source</a:t>
+              <a:t>ogiciel </a:t>
             </a:r>
+            <a:r>
+              <a:rPr lang="fr-FR" sz="2400" spc="-1" dirty="0">
+                <a:solidFill>
+                  <a:srgbClr val="595959"/>
+                </a:solidFill>
+                <a:uFill>
+                  <a:solidFill>
+                    <a:srgbClr val="FFFFFF"/>
+                  </a:solidFill>
+                </a:uFill>
+                <a:latin typeface="Tahoma"/>
+              </a:rPr>
+              <a:t>o</a:t>
+            </a:r>
+            <a:r>
+              <a:rPr lang="fr-FR" sz="2400" b="0" strike="noStrike" spc="-1" dirty="0" smtClean="0">
+                <a:solidFill>
+                  <a:srgbClr val="595959"/>
+                </a:solidFill>
+                <a:uFill>
+                  <a:solidFill>
+                    <a:srgbClr val="FFFFFF"/>
+                  </a:solidFill>
+                </a:uFill>
+                <a:latin typeface="Tahoma"/>
+              </a:rPr>
+              <a:t>pen source</a:t>
+            </a:r>
+          </a:p>
+          <a:p>
+            <a:pPr marL="343080" indent="-342720">
+              <a:lnSpc>
+                <a:spcPct val="100000"/>
+              </a:lnSpc>
+              <a:buClr>
+                <a:srgbClr val="96172E"/>
+              </a:buClr>
+              <a:buSzPct val="150000"/>
+              <a:buFont typeface="Arial"/>
+              <a:buChar char="•"/>
+            </a:pPr>
+            <a:endParaRPr lang="fr-FR" sz="2400" b="0" strike="noStrike" spc="-1" dirty="0" smtClean="0">
+              <a:solidFill>
+                <a:srgbClr val="595959"/>
+              </a:solidFill>
+              <a:uFill>
+                <a:solidFill>
+                  <a:srgbClr val="FFFFFF"/>
+                </a:solidFill>
+              </a:uFill>
+              <a:latin typeface="Tahoma"/>
+            </a:endParaRPr>
+          </a:p>
+          <a:p>
+            <a:pPr marL="343080" indent="-342720">
+              <a:lnSpc>
+                <a:spcPct val="100000"/>
+              </a:lnSpc>
+              <a:buClr>
+                <a:srgbClr val="96172E"/>
+              </a:buClr>
+              <a:buSzPct val="150000"/>
+              <a:buFont typeface="Arial"/>
+              <a:buChar char="•"/>
+            </a:pPr>
+            <a:endParaRPr lang="fr-FR" sz="2400" b="0" strike="noStrike" spc="-1" dirty="0">
+              <a:solidFill>
+                <a:srgbClr val="595959"/>
+              </a:solidFill>
+              <a:uFill>
+                <a:solidFill>
+                  <a:srgbClr val="FFFFFF"/>
+                </a:solidFill>
+              </a:uFill>
+              <a:latin typeface="Tahoma"/>
+            </a:endParaRPr>
           </a:p>
           <a:p>
             <a:pPr marL="343080" indent="-342720">
@@ -9738,11 +11420,25 @@
                 </a:uFill>
                 <a:latin typeface="Tahoma"/>
               </a:rPr>
-              <a:t>Jouabilité à plusieurs ou tout seul</a:t>
+              <a:t>Jouabilité à plusieurs ou tout </a:t>
             </a:r>
-          </a:p>
-          <a:p>
-            <a:pPr marL="343080" indent="-342720">
+            <a:r>
+              <a:rPr lang="fr-FR" sz="2400" b="0" strike="noStrike" spc="-1" dirty="0" smtClean="0">
+                <a:solidFill>
+                  <a:srgbClr val="595959"/>
+                </a:solidFill>
+                <a:uFill>
+                  <a:solidFill>
+                    <a:srgbClr val="FFFFFF"/>
+                  </a:solidFill>
+                </a:uFill>
+                <a:latin typeface="Tahoma"/>
+              </a:rPr>
+              <a:t>seul</a:t>
+            </a:r>
+          </a:p>
+          <a:p>
+            <a:pPr marL="360">
               <a:lnSpc>
                 <a:spcPct val="100000"/>
               </a:lnSpc>
@@ -9750,8 +11446,50 @@
                 <a:srgbClr val="96172E"/>
               </a:buClr>
               <a:buSzPct val="150000"/>
-              <a:buFont typeface="Arial"/>
-              <a:buChar char="•"/>
+            </a:pPr>
+            <a:endParaRPr lang="fr-FR" sz="2400" b="0" strike="noStrike" spc="-1" dirty="0">
+              <a:solidFill>
+                <a:srgbClr val="595959"/>
+              </a:solidFill>
+              <a:uFill>
+                <a:solidFill>
+                  <a:srgbClr val="FFFFFF"/>
+                </a:solidFill>
+              </a:uFill>
+              <a:latin typeface="Tahoma"/>
+            </a:endParaRPr>
+          </a:p>
+          <a:p>
+            <a:pPr marL="360">
+              <a:lnSpc>
+                <a:spcPct val="100000"/>
+              </a:lnSpc>
+              <a:buClr>
+                <a:srgbClr val="96172E"/>
+              </a:buClr>
+              <a:buSzPct val="150000"/>
+            </a:pPr>
+            <a:endParaRPr lang="fr-FR" sz="2400" spc="-1" dirty="0" smtClean="0">
+              <a:solidFill>
+                <a:srgbClr val="595959"/>
+              </a:solidFill>
+              <a:uFill>
+                <a:solidFill>
+                  <a:srgbClr val="FFFFFF"/>
+                </a:solidFill>
+              </a:uFill>
+              <a:latin typeface="Tahoma"/>
+            </a:endParaRPr>
+          </a:p>
+          <a:p>
+            <a:pPr marL="360">
+              <a:lnSpc>
+                <a:spcPct val="100000"/>
+              </a:lnSpc>
+              <a:buClr>
+                <a:srgbClr val="96172E"/>
+              </a:buClr>
+              <a:buSzPct val="150000"/>
             </a:pPr>
             <a:endParaRPr lang="fr-FR" sz="2400" spc="-1" dirty="0">
               <a:solidFill>
@@ -9789,7 +11527,21 @@
                 </a:uFill>
                 <a:latin typeface="Tahoma"/>
               </a:rPr>
-              <a:t>Création de plusieurs intelligences artificielles</a:t>
+              <a:t>Création de plusieurs intelligences </a:t>
+            </a:r>
+            <a:r>
+              <a:rPr lang="fr-FR" sz="2400" b="0" strike="noStrike" spc="-1" dirty="0" smtClean="0">
+                <a:solidFill>
+                  <a:srgbClr val="595959"/>
+                </a:solidFill>
+                <a:uFill>
+                  <a:solidFill>
+                    <a:srgbClr val="FFFFFF"/>
+                  </a:solidFill>
+                </a:uFill>
+                <a:latin typeface="Tahoma"/>
+              </a:rPr>
+              <a:t>artificielles</a:t>
             </a:r>
           </a:p>
           <a:p>
@@ -9803,6 +11555,50 @@
               <a:buSzPct val="150000"/>
               <a:buFont typeface="Arial"/>
               <a:buChar char="•"/>
+            </a:pPr>
+            <a:endParaRPr lang="fr-FR" sz="2400" b="0" strike="noStrike" spc="-1" dirty="0" smtClean="0">
+              <a:solidFill>
+                <a:srgbClr val="595959"/>
+              </a:solidFill>
+              <a:uFill>
+                <a:solidFill>
+                  <a:srgbClr val="FFFFFF"/>
+                </a:solidFill>
+              </a:uFill>
+              <a:latin typeface="Tahoma"/>
+            </a:endParaRPr>
+          </a:p>
+          <a:p>
+            <a:pPr marL="360">
+              <a:lnSpc>
+                <a:spcPct val="100000"/>
+              </a:lnSpc>
+              <a:buClr>
+                <a:srgbClr val="96172E"/>
+              </a:buClr>
+              <a:buSzPct val="150000"/>
+            </a:pPr>
+            <a:endParaRPr lang="fr-FR" sz="2400" spc="-1" dirty="0" smtClean="0">
+              <a:solidFill>
+                <a:srgbClr val="595959"/>
+              </a:solidFill>
+              <a:uFill>
+                <a:solidFill>
+                  <a:srgbClr val="FFFFFF"/>
+                </a:solidFill>
+              </a:uFill>
+              <a:latin typeface="Tahoma"/>
+            </a:endParaRPr>
+          </a:p>
+          <a:p>
+            <a:pPr marL="360">
+              <a:lnSpc>
+                <a:spcPct val="100000"/>
+              </a:lnSpc>
+              <a:buClr>
+                <a:srgbClr val="96172E"/>
+              </a:buClr>
+              <a:buSzPct val="150000"/>
             </a:pPr>
             <a:endParaRPr lang="fr-FR" sz="2400" spc="-1" dirty="0">
               <a:solidFill>
@@ -10061,6 +11857,47 @@
           </a:p>
         </p:txBody>
       </p:sp>
+      <p:pic>
+        <p:nvPicPr>
+          <p:cNvPr id="3076" name="Picture 4" descr="Résultat de recherche d'images pour &quot;intelligence artificielle transparent&quot;"/>
+          <p:cNvPicPr>
+            <a:picLocks noChangeAspect="1" noChangeArrowheads="1"/>
+          </p:cNvPicPr>
+          <p:nvPr/>
+        </p:nvPicPr>
+        <p:blipFill>
+          <a:blip r:embed="rId2">
+            <a:extLst>
+              <a:ext uri="{28A0092B-C50C-407E-A947-70E740481C1C}">
+                <a14:useLocalDpi xmlns:a14="http://schemas.microsoft.com/office/drawing/2010/main" val="0"/>
+              </a:ext>
+            </a:extLst>
+          </a:blip>
+          <a:srcRect/>
+          <a:stretch>
+            <a:fillRect/>
+          </a:stretch>
+        </p:blipFill>
+        <p:spPr bwMode="auto">
+          <a:xfrm>
+            <a:off x="7069160" y="3496251"/>
+            <a:ext cx="1737880" cy="1737880"/>
+          </a:xfrm>
+          <a:prstGeom prst="rect">
+            <a:avLst/>
+          </a:prstGeom>
+          <a:noFill/>
+          <a:extLst>
+            <a:ext uri="{909E8E84-426E-40DD-AFC4-6F175D3DCCD1}">
+              <a14:hiddenFill xmlns:a14="http://schemas.microsoft.com/office/drawing/2010/main">
+                <a:solidFill>
+                  <a:srgbClr val="FFFFFF"/>
+                </a:solidFill>
+              </a14:hiddenFill>
+            </a:ext>
+          </a:extLst>
+        </p:spPr>
+      </p:pic>
     </p:spTree>
   </p:cSld>
   <p:clrMapOvr>
@@ -11329,210 +13166,6 @@
       </p:grpSpPr>
       <p:sp>
         <p:nvSpPr>
-          <p:cNvPr id="159" name="TextShape 1"/>
-          <p:cNvSpPr txBox="1"/>
-          <p:nvPr/>
-        </p:nvSpPr>
-        <p:spPr>
-          <a:xfrm>
-            <a:off x="2961000" y="174240"/>
-            <a:ext cx="3398236" cy="1142640"/>
-          </a:xfrm>
-          <a:prstGeom prst="rect">
-            <a:avLst/>
-          </a:prstGeom>
-          <a:noFill/>
-          <a:ln>
-            <a:noFill/>
-          </a:ln>
-        </p:spPr>
-        <p:txBody>
-          <a:bodyPr anchor="ctr"/>
-          <a:lstStyle/>
-          <a:p>
-            <a:pPr algn="r">
-              <a:lnSpc>
-                <a:spcPct val="100000"/>
-              </a:lnSpc>
-            </a:pPr>
-            <a:r>
-              <a:rPr lang="fr-FR" sz="3400" b="0" strike="noStrike" spc="-1" dirty="0">
-                <a:solidFill>
-                  <a:srgbClr val="96172E"/>
-                </a:solidFill>
-                <a:uFill>
-                  <a:solidFill>
-                    <a:srgbClr val="FFFFFF"/>
-                  </a:solidFill>
-                </a:uFill>
-                <a:latin typeface="Tahoma"/>
-                <a:ea typeface="ＭＳ Ｐゴシック"/>
-              </a:rPr>
-              <a:t>Budget</a:t>
-            </a:r>
-            <a:endParaRPr lang="fr-FR" sz="3400" b="0" strike="noStrike" spc="-1" dirty="0">
-              <a:solidFill>
-                <a:srgbClr val="000000"/>
-              </a:solidFill>
-              <a:uFill>
-                <a:solidFill>
-                  <a:srgbClr val="FFFFFF"/>
-                </a:solidFill>
-              </a:uFill>
-              <a:latin typeface="Calibri"/>
-            </a:endParaRPr>
-          </a:p>
-        </p:txBody>
-      </p:sp>
-      <p:sp>
-        <p:nvSpPr>
-          <p:cNvPr id="160" name="TextShape 2"/>
-          <p:cNvSpPr txBox="1"/>
-          <p:nvPr/>
-        </p:nvSpPr>
-        <p:spPr>
-          <a:xfrm>
-            <a:off x="322200" y="1633680"/>
-            <a:ext cx="8701560" cy="4525560"/>
-          </a:xfrm>
-          <a:prstGeom prst="rect">
-            <a:avLst/>
-          </a:prstGeom>
-          <a:noFill/>
-          <a:ln>
-            <a:noFill/>
-          </a:ln>
-        </p:spPr>
-        <p:txBody>
-          <a:bodyPr/>
-          <a:lstStyle/>
-          <a:p>
-            <a:pPr marL="343080" indent="-342720">
-              <a:lnSpc>
-                <a:spcPct val="100000"/>
-              </a:lnSpc>
-              <a:buClr>
-                <a:srgbClr val="96172E"/>
-              </a:buClr>
-              <a:buSzPct val="150000"/>
-              <a:buFont typeface="Arial"/>
-              <a:buChar char="•"/>
-            </a:pPr>
-            <a:endParaRPr lang="fr-FR" sz="2400" spc="-1" dirty="0">
-              <a:solidFill>
-                <a:srgbClr val="595959"/>
-              </a:solidFill>
-              <a:uFill>
-                <a:solidFill>
-                  <a:srgbClr val="FFFFFF"/>
-                </a:solidFill>
-              </a:uFill>
-              <a:latin typeface="Tahoma"/>
-            </a:endParaRPr>
-          </a:p>
-          <a:p>
-            <a:pPr marL="343080" indent="-342720">
-              <a:lnSpc>
-                <a:spcPct val="100000"/>
-              </a:lnSpc>
-              <a:buClr>
-                <a:srgbClr val="96172E"/>
-              </a:buClr>
-              <a:buSzPct val="150000"/>
-              <a:buFont typeface="Arial"/>
-              <a:buChar char="•"/>
-            </a:pPr>
-            <a:endParaRPr lang="fr-FR" sz="2400" b="0" strike="noStrike" spc="-1" dirty="0">
-              <a:solidFill>
-                <a:srgbClr val="595959"/>
-              </a:solidFill>
-              <a:uFill>
-                <a:solidFill>
-                  <a:srgbClr val="FFFFFF"/>
-                </a:solidFill>
-              </a:uFill>
-              <a:latin typeface="Tahoma"/>
-            </a:endParaRPr>
-          </a:p>
-          <a:p>
-            <a:pPr marL="343080" indent="-342720">
-              <a:lnSpc>
-                <a:spcPct val="100000"/>
-              </a:lnSpc>
-              <a:buClr>
-                <a:srgbClr val="96172E"/>
-              </a:buClr>
-              <a:buSzPct val="150000"/>
-              <a:buFont typeface="Arial"/>
-              <a:buChar char="•"/>
-            </a:pPr>
-            <a:r>
-              <a:rPr lang="fr-FR" sz="3200" b="0" strike="noStrike" spc="-1" dirty="0">
-                <a:solidFill>
-                  <a:srgbClr val="595959"/>
-                </a:solidFill>
-                <a:uFill>
-                  <a:solidFill>
-                    <a:srgbClr val="FFFFFF"/>
-                  </a:solidFill>
-                </a:uFill>
-                <a:latin typeface="Tahoma"/>
-              </a:rPr>
-              <a:t>Achat du jeu (16,25 €)</a:t>
-            </a:r>
-          </a:p>
-          <a:p>
-            <a:pPr marL="343080" indent="-342720">
-              <a:lnSpc>
-                <a:spcPct val="100000"/>
-              </a:lnSpc>
-              <a:buClr>
-                <a:srgbClr val="96172E"/>
-              </a:buClr>
-              <a:buSzPct val="150000"/>
-              <a:buFont typeface="Arial"/>
-              <a:buChar char="•"/>
-            </a:pPr>
-            <a:endParaRPr lang="fr-FR" sz="2400" spc="-1" dirty="0">
-              <a:solidFill>
-                <a:srgbClr val="595959"/>
-              </a:solidFill>
-              <a:uFill>
-                <a:solidFill>
-                  <a:srgbClr val="FFFFFF"/>
-                </a:solidFill>
-              </a:uFill>
-              <a:latin typeface="Tahoma"/>
-            </a:endParaRPr>
-          </a:p>
-          <a:p>
-            <a:pPr marL="343080" indent="-342720">
-              <a:lnSpc>
-                <a:spcPct val="100000"/>
-              </a:lnSpc>
-              <a:buClr>
-                <a:srgbClr val="96172E"/>
-              </a:buClr>
-              <a:buSzPct val="150000"/>
-              <a:buFont typeface="Arial"/>
-              <a:buChar char="•"/>
-            </a:pPr>
-            <a:endParaRPr lang="fr-FR" sz="2400" b="0" strike="noStrike" spc="-1" dirty="0">
-              <a:solidFill>
-                <a:srgbClr val="595959"/>
-              </a:solidFill>
-              <a:uFill>
-                <a:solidFill>
-                  <a:srgbClr val="FFFFFF"/>
-                </a:solidFill>
-              </a:uFill>
-              <a:latin typeface="Tahoma"/>
-            </a:endParaRPr>
-          </a:p>
-        </p:txBody>
-      </p:sp>
-      <p:sp>
-        <p:nvSpPr>
           <p:cNvPr id="161" name="TextShape 3"/>
           <p:cNvSpPr txBox="1"/>
           <p:nvPr/>
@@ -11699,7 +13332,110 @@
           </a:p>
         </p:txBody>
       </p:sp>
+      <p:pic>
+        <p:nvPicPr>
+          <p:cNvPr id="7" name="Picture 2" descr="https://raw.githubusercontent.com/PingouinsECL/documents/master/GANTT-Sem1.png"/>
+          <p:cNvPicPr>
+            <a:picLocks noChangeAspect="1" noChangeArrowheads="1"/>
+          </p:cNvPicPr>
+          <p:nvPr/>
+        </p:nvPicPr>
+        <p:blipFill>
+          <a:blip r:embed="rId2">
+            <a:extLst>
+              <a:ext uri="{28A0092B-C50C-407E-A947-70E740481C1C}">
+                <a14:useLocalDpi xmlns:a14="http://schemas.microsoft.com/office/drawing/2010/main" val="0"/>
+              </a:ext>
+            </a:extLst>
+          </a:blip>
+          <a:srcRect/>
+          <a:stretch>
+            <a:fillRect/>
+          </a:stretch>
+        </p:blipFill>
+        <p:spPr bwMode="auto">
+          <a:xfrm>
+            <a:off x="2881746" y="327194"/>
+            <a:ext cx="6181725" cy="6029326"/>
+          </a:xfrm>
+          <a:prstGeom prst="rect">
+            <a:avLst/>
+          </a:prstGeom>
+          <a:noFill/>
+          <a:extLst>
+            <a:ext uri="{909E8E84-426E-40DD-AFC4-6F175D3DCCD1}">
+              <a14:hiddenFill xmlns:a14="http://schemas.microsoft.com/office/drawing/2010/main">
+                <a:solidFill>
+                  <a:srgbClr val="FFFFFF"/>
+                </a:solidFill>
+              </a14:hiddenFill>
+            </a:ext>
+          </a:extLst>
+        </p:spPr>
+      </p:pic>
+      <p:sp>
+        <p:nvSpPr>
+          <p:cNvPr id="8" name="TextShape 1"/>
+          <p:cNvSpPr txBox="1"/>
+          <p:nvPr/>
+        </p:nvSpPr>
+        <p:spPr>
+          <a:xfrm>
+            <a:off x="-258618" y="1660839"/>
+            <a:ext cx="3140364" cy="1681018"/>
+          </a:xfrm>
+          <a:prstGeom prst="rect">
+            <a:avLst/>
+          </a:prstGeom>
+          <a:noFill/>
+          <a:ln>
+            <a:noFill/>
+          </a:ln>
+        </p:spPr>
+        <p:txBody>
+          <a:bodyPr anchor="ctr"/>
+          <a:lstStyle/>
+          <a:p>
+            <a:pPr algn="r">
+              <a:lnSpc>
+                <a:spcPct val="100000"/>
+              </a:lnSpc>
+            </a:pPr>
+            <a:r>
+              <a:rPr lang="fr-FR" sz="3400" b="0" strike="noStrike" spc="-1" dirty="0" smtClean="0">
+                <a:solidFill>
+                  <a:srgbClr val="96172E"/>
+                </a:solidFill>
+                <a:uFill>
+                  <a:solidFill>
+                    <a:srgbClr val="FFFFFF"/>
+                  </a:solidFill>
+                </a:uFill>
+                <a:latin typeface="Tahoma"/>
+                <a:ea typeface="ＭＳ Ｐゴシック"/>
+              </a:rPr>
+              <a:t>Diagramme de GANTT (1)</a:t>
+            </a:r>
+            <a:endParaRPr lang="fr-FR" sz="3400" b="0" strike="noStrike" spc="-1" dirty="0">
+              <a:solidFill>
+                <a:srgbClr val="000000"/>
+              </a:solidFill>
+              <a:uFill>
+                <a:solidFill>
+                  <a:srgbClr val="FFFFFF"/>
+                </a:solidFill>
+              </a:uFill>
+              <a:latin typeface="Calibri"/>
+            </a:endParaRPr>
+          </a:p>
+        </p:txBody>
+      </p:sp>
     </p:spTree>
+    <p:extLst>
+      <p:ext uri="{BB962C8B-B14F-4D97-AF65-F5344CB8AC3E}">
+        <p14:creationId xmlns:p14="http://schemas.microsoft.com/office/powerpoint/2010/main" val="3164366897"/>
+      </p:ext>
+    </p:extLst>
   </p:cSld>
   <p:clrMapOvr>
     <a:masterClrMapping/>

--- a/RVP1.pptx
+++ b/RVP1.pptx
@@ -7857,20 +7857,12 @@
           </a:p>
           <a:p>
             <a:r>
-              <a:rPr lang="fr-FR" dirty="0" err="1">
+              <a:rPr lang="fr-FR" smtClean="0">
                 <a:solidFill>
                   <a:schemeClr val="bg1"/>
                 </a:solidFill>
               </a:rPr>
-              <a:t>Dedouard</a:t>
-            </a:r>
-            <a:r>
-              <a:rPr lang="fr-FR" dirty="0">
-                <a:solidFill>
-                  <a:schemeClr val="bg1"/>
-                </a:solidFill>
-              </a:rPr>
-              <a:t> </a:t>
+              <a:t>Edouard-Louis </a:t>
             </a:r>
             <a:r>
               <a:rPr lang="fr-FR" dirty="0" err="1">
@@ -9249,7 +9241,7 @@
         </p:blipFill>
         <p:spPr bwMode="auto">
           <a:xfrm>
-            <a:off x="430775" y="1557667"/>
+            <a:off x="275648" y="1493012"/>
             <a:ext cx="8458686" cy="4427497"/>
           </a:xfrm>
           <a:prstGeom prst="rect">

--- a/RVP1.pptx
+++ b/RVP1.pptx
@@ -7826,23 +7826,107 @@
           <a:lstStyle/>
           <a:p>
             <a:r>
-              <a:rPr lang="fr-FR" dirty="0" err="1">
+              <a:rPr lang="fr-FR" dirty="0">
                 <a:solidFill>
                   <a:schemeClr val="bg1"/>
                 </a:solidFill>
               </a:rPr>
-              <a:t>Fazil</a:t>
+              <a:t>Enzo </a:t>
             </a:r>
             <a:r>
+              <a:rPr lang="fr-FR" dirty="0" err="1" smtClean="0">
+                <a:solidFill>
+                  <a:schemeClr val="bg1"/>
+                </a:solidFill>
+              </a:rPr>
+              <a:t>Delepine</a:t>
+            </a:r>
+            <a:endParaRPr lang="fr-FR" dirty="0" smtClean="0">
+              <a:solidFill>
+                <a:schemeClr val="bg1"/>
+              </a:solidFill>
+            </a:endParaRPr>
+          </a:p>
+          <a:p>
+            <a:r>
               <a:rPr lang="fr-FR" dirty="0">
                 <a:solidFill>
                   <a:schemeClr val="bg1"/>
                 </a:solidFill>
               </a:rPr>
-              <a:t> </a:t>
+              <a:t>Rémi Di </a:t>
             </a:r>
             <a:r>
-              <a:rPr lang="fr-FR" dirty="0" err="1">
+              <a:rPr lang="fr-FR" dirty="0" err="1" smtClean="0">
+                <a:solidFill>
+                  <a:schemeClr val="bg1"/>
+                </a:solidFill>
+              </a:rPr>
+              <a:t>Guardia</a:t>
+            </a:r>
+            <a:endParaRPr lang="fr-FR" dirty="0" smtClean="0">
+              <a:solidFill>
+                <a:schemeClr val="bg1"/>
+              </a:solidFill>
+            </a:endParaRPr>
+          </a:p>
+          <a:p>
+            <a:r>
+              <a:rPr lang="fr-FR" dirty="0">
+                <a:solidFill>
+                  <a:schemeClr val="bg1"/>
+                </a:solidFill>
+              </a:rPr>
+              <a:t>Alexandre </a:t>
+            </a:r>
+            <a:r>
+              <a:rPr lang="fr-FR" dirty="0" err="1" smtClean="0">
+                <a:solidFill>
+                  <a:schemeClr val="bg1"/>
+                </a:solidFill>
+              </a:rPr>
+              <a:t>Magueresse</a:t>
+            </a:r>
+            <a:endParaRPr lang="fr-FR" dirty="0" smtClean="0">
+              <a:solidFill>
+                <a:schemeClr val="bg1"/>
+              </a:solidFill>
+            </a:endParaRPr>
+          </a:p>
+          <a:p>
+            <a:r>
+              <a:rPr lang="fr-FR" dirty="0">
+                <a:solidFill>
+                  <a:schemeClr val="bg1"/>
+                </a:solidFill>
+              </a:rPr>
+              <a:t>Nicolas </a:t>
+            </a:r>
+            <a:r>
+              <a:rPr lang="fr-FR" dirty="0" smtClean="0">
+                <a:solidFill>
+                  <a:schemeClr val="bg1"/>
+                </a:solidFill>
+              </a:rPr>
+              <a:t>Ménard</a:t>
+            </a:r>
+            <a:endParaRPr lang="fr-FR" dirty="0" smtClean="0">
+              <a:solidFill>
+                <a:schemeClr val="bg1"/>
+              </a:solidFill>
+            </a:endParaRPr>
+          </a:p>
+          <a:p>
+            <a:r>
+              <a:rPr lang="fr-FR" dirty="0" smtClean="0">
+                <a:solidFill>
+                  <a:schemeClr val="bg1"/>
+                </a:solidFill>
+              </a:rPr>
+              <a:t>Fazil </a:t>
+            </a:r>
+            <a:r>
+              <a:rPr lang="fr-FR" dirty="0" err="1" smtClean="0">
                 <a:solidFill>
                   <a:schemeClr val="bg1"/>
                 </a:solidFill>
@@ -7857,7 +7941,7 @@
           </a:p>
           <a:p>
             <a:r>
-              <a:rPr lang="fr-FR" smtClean="0">
+              <a:rPr lang="fr-FR" dirty="0" smtClean="0">
                 <a:solidFill>
                   <a:schemeClr val="bg1"/>
                 </a:solidFill>
@@ -7865,78 +7949,12 @@
               <a:t>Edouard-Louis </a:t>
             </a:r>
             <a:r>
-              <a:rPr lang="fr-FR" dirty="0" err="1">
+              <a:rPr lang="fr-FR" dirty="0" err="1" smtClean="0">
                 <a:solidFill>
                   <a:schemeClr val="bg1"/>
                 </a:solidFill>
               </a:rPr>
               <a:t>Tambiradja</a:t>
-            </a:r>
-            <a:endParaRPr lang="fr-FR" dirty="0">
-              <a:solidFill>
-                <a:schemeClr val="bg1"/>
-              </a:solidFill>
-            </a:endParaRPr>
-          </a:p>
-          <a:p>
-            <a:r>
-              <a:rPr lang="fr-FR" dirty="0">
-                <a:solidFill>
-                  <a:schemeClr val="bg1"/>
-                </a:solidFill>
-              </a:rPr>
-              <a:t>Enzo </a:t>
-            </a:r>
-            <a:r>
-              <a:rPr lang="fr-FR" dirty="0" err="1">
-                <a:solidFill>
-                  <a:schemeClr val="bg1"/>
-                </a:solidFill>
-              </a:rPr>
-              <a:t>Delepine</a:t>
-            </a:r>
-            <a:endParaRPr lang="fr-FR" dirty="0">
-              <a:solidFill>
-                <a:schemeClr val="bg1"/>
-              </a:solidFill>
-            </a:endParaRPr>
-          </a:p>
-          <a:p>
-            <a:r>
-              <a:rPr lang="fr-FR" dirty="0">
-                <a:solidFill>
-                  <a:schemeClr val="bg1"/>
-                </a:solidFill>
-              </a:rPr>
-              <a:t>Nicolas Ménard</a:t>
-            </a:r>
-          </a:p>
-          <a:p>
-            <a:r>
-              <a:rPr lang="fr-FR" dirty="0">
-                <a:solidFill>
-                  <a:schemeClr val="bg1"/>
-                </a:solidFill>
-              </a:rPr>
-              <a:t>Rémi Di Guardia</a:t>
-            </a:r>
-          </a:p>
-          <a:p>
-            <a:r>
-              <a:rPr lang="fr-FR" dirty="0">
-                <a:solidFill>
-                  <a:schemeClr val="bg1"/>
-                </a:solidFill>
-              </a:rPr>
-              <a:t>Alexandre </a:t>
-            </a:r>
-            <a:r>
-              <a:rPr lang="fr-FR" dirty="0" err="1">
-                <a:solidFill>
-                  <a:schemeClr val="bg1"/>
-                </a:solidFill>
-              </a:rPr>
-              <a:t>Magueresse</a:t>
             </a:r>
             <a:endParaRPr lang="fr-FR" dirty="0">
               <a:solidFill>

--- a/RVP1.pptx
+++ b/RVP1.pptx
@@ -7769,7 +7769,7 @@
               <a:t> </a:t>
             </a:r>
             <a:r>
-              <a:rPr lang="en-US" sz="2000" b="0" strike="noStrike" spc="-1" dirty="0" err="1">
+              <a:rPr lang="en-US" sz="2000" b="0" strike="noStrike" spc="-1" dirty="0" err="1" smtClean="0">
                 <a:solidFill>
                   <a:srgbClr val="FFFFFF"/>
                 </a:solidFill>
@@ -7781,7 +7781,7 @@
                 <a:latin typeface="Tahoma"/>
                 <a:ea typeface="ＭＳ Ｐゴシック"/>
               </a:rPr>
-              <a:t>Pingouin</a:t>
+              <a:t>Pingouins</a:t>
             </a:r>
             <a:endParaRPr lang="en-US" sz="3200" b="0" strike="noStrike" spc="-1" dirty="0">
               <a:solidFill>
@@ -8230,7 +8230,7 @@
                 <a:latin typeface="Tahoma"/>
                 <a:ea typeface="ＭＳ Ｐゴシック"/>
               </a:rPr>
-              <a:t>Diagramme de GANTT (2)</a:t>
+              <a:t>Diagramme de GANTT (semestre 2)</a:t>
             </a:r>
             <a:endParaRPr lang="fr-FR" sz="3400" b="0" strike="noStrike" spc="-1" dirty="0">
               <a:solidFill>
@@ -11448,7 +11448,7 @@
             </a:r>
           </a:p>
           <a:p>
-            <a:pPr marL="360">
+            <a:pPr marL="343080" indent="-342720">
               <a:lnSpc>
                 <a:spcPct val="100000"/>
               </a:lnSpc>
@@ -11456,8 +11456,10 @@
                 <a:srgbClr val="96172E"/>
               </a:buClr>
               <a:buSzPct val="150000"/>
+              <a:buFont typeface="Arial"/>
+              <a:buChar char="•"/>
             </a:pPr>
-            <a:endParaRPr lang="fr-FR" sz="2400" b="0" strike="noStrike" spc="-1" dirty="0">
+            <a:endParaRPr lang="fr-FR" sz="2400" b="0" strike="noStrike" spc="-1" dirty="0" smtClean="0">
               <a:solidFill>
                 <a:srgbClr val="595959"/>
               </a:solidFill>
@@ -11537,21 +11539,7 @@
                 </a:uFill>
                 <a:latin typeface="Tahoma"/>
               </a:rPr>
-              <a:t>Création de plusieurs intelligences </a:t>
-            </a:r>
-            <a:r>
-              <a:rPr lang="fr-FR" sz="2400" b="0" strike="noStrike" spc="-1" dirty="0" smtClean="0">
-                <a:solidFill>
-                  <a:srgbClr val="595959"/>
-                </a:solidFill>
-                <a:uFill>
-                  <a:solidFill>
-                    <a:srgbClr val="FFFFFF"/>
-                  </a:solidFill>
-                </a:uFill>
-                <a:latin typeface="Tahoma"/>
-              </a:rPr>
-              <a:t>artificielles</a:t>
+              <a:t>Création d’une interface graphique</a:t>
             </a:r>
           </a:p>
           <a:p>
@@ -11566,51 +11554,7 @@
               <a:buFont typeface="Arial"/>
               <a:buChar char="•"/>
             </a:pPr>
-            <a:endParaRPr lang="fr-FR" sz="2400" b="0" strike="noStrike" spc="-1" dirty="0" smtClean="0">
-              <a:solidFill>
-                <a:srgbClr val="595959"/>
-              </a:solidFill>
-              <a:uFill>
-                <a:solidFill>
-                  <a:srgbClr val="FFFFFF"/>
-                </a:solidFill>
-              </a:uFill>
-              <a:latin typeface="Tahoma"/>
-            </a:endParaRPr>
-          </a:p>
-          <a:p>
-            <a:pPr marL="360">
-              <a:lnSpc>
-                <a:spcPct val="100000"/>
-              </a:lnSpc>
-              <a:buClr>
-                <a:srgbClr val="96172E"/>
-              </a:buClr>
-              <a:buSzPct val="150000"/>
-            </a:pPr>
             <a:endParaRPr lang="fr-FR" sz="2400" spc="-1" dirty="0" smtClean="0">
-              <a:solidFill>
-                <a:srgbClr val="595959"/>
-              </a:solidFill>
-              <a:uFill>
-                <a:solidFill>
-                  <a:srgbClr val="FFFFFF"/>
-                </a:solidFill>
-              </a:uFill>
-              <a:latin typeface="Tahoma"/>
-            </a:endParaRPr>
-          </a:p>
-          <a:p>
-            <a:pPr marL="360">
-              <a:lnSpc>
-                <a:spcPct val="100000"/>
-              </a:lnSpc>
-              <a:buClr>
-                <a:srgbClr val="96172E"/>
-              </a:buClr>
-              <a:buSzPct val="150000"/>
-            </a:pPr>
-            <a:endParaRPr lang="fr-FR" sz="2400" spc="-1" dirty="0">
               <a:solidFill>
                 <a:srgbClr val="595959"/>
               </a:solidFill>
@@ -11634,8 +11578,53 @@
               <a:buFont typeface="Arial"/>
               <a:buChar char="•"/>
             </a:pPr>
+            <a:endParaRPr lang="fr-FR" sz="2400" spc="-1" dirty="0" smtClean="0">
+              <a:solidFill>
+                <a:srgbClr val="595959"/>
+              </a:solidFill>
+              <a:uFill>
+                <a:solidFill>
+                  <a:srgbClr val="FFFFFF"/>
+                </a:solidFill>
+              </a:uFill>
+              <a:latin typeface="Tahoma"/>
+            </a:endParaRPr>
+          </a:p>
+          <a:p>
+            <a:pPr marL="343080" indent="-342720">
+              <a:lnSpc>
+                <a:spcPct val="100000"/>
+              </a:lnSpc>
+              <a:buClr>
+                <a:srgbClr val="96172E"/>
+              </a:buClr>
+              <a:buSzPct val="150000"/>
+              <a:buFont typeface="Arial"/>
+              <a:buChar char="•"/>
+            </a:pPr>
+            <a:endParaRPr lang="fr-FR" sz="2400" spc="-1" dirty="0">
+              <a:solidFill>
+                <a:srgbClr val="595959"/>
+              </a:solidFill>
+              <a:uFill>
+                <a:solidFill>
+                  <a:srgbClr val="FFFFFF"/>
+                </a:solidFill>
+              </a:uFill>
+              <a:latin typeface="Tahoma"/>
+            </a:endParaRPr>
+          </a:p>
+          <a:p>
+            <a:pPr marL="343080" indent="-342720">
+              <a:buClr>
+                <a:srgbClr val="96172E"/>
+              </a:buClr>
+              <a:buSzPct val="150000"/>
+              <a:buFont typeface="Arial"/>
+              <a:buChar char="•"/>
+            </a:pPr>
             <a:r>
-              <a:rPr lang="fr-FR" sz="2400" b="0" strike="noStrike" spc="-1" dirty="0">
+              <a:rPr lang="fr-FR" sz="2400" spc="-1" dirty="0">
                 <a:solidFill>
                   <a:srgbClr val="595959"/>
                 </a:solidFill>
@@ -11646,7 +11635,7 @@
                 </a:uFill>
                 <a:latin typeface="Tahoma"/>
               </a:rPr>
-              <a:t>Création d’une interface graphique</a:t>
+              <a:t>Création de plusieurs intelligences artificielles</a:t>
             </a:r>
           </a:p>
           <a:p>
@@ -11890,7 +11879,7 @@
         </p:blipFill>
         <p:spPr bwMode="auto">
           <a:xfrm>
-            <a:off x="7069160" y="3496251"/>
+            <a:off x="7043420" y="4696978"/>
             <a:ext cx="1737880" cy="1737880"/>
           </a:xfrm>
           <a:prstGeom prst="rect">
@@ -12187,15 +12176,9 @@
       </p:sp>
       <p:pic>
         <p:nvPicPr>
-          <p:cNvPr id="3" name="Image 2">
-            <a:extLst>
-              <a:ext uri="{FF2B5EF4-FFF2-40B4-BE49-F238E27FC236}">
-                <a16:creationId xmlns:a16="http://schemas.microsoft.com/office/drawing/2014/main" id="{51E5F602-D8F9-449B-962B-C9BC1AD788A2}"/>
-              </a:ext>
-            </a:extLst>
-          </p:cNvPr>
+          <p:cNvPr id="6146" name="Picture 2" descr="https://raw.githubusercontent.com/PingouinsECL/documents/master/diagramme_pieuvre.png"/>
           <p:cNvPicPr>
-            <a:picLocks noChangeAspect="1"/>
+            <a:picLocks noChangeAspect="1" noChangeArrowheads="1"/>
           </p:cNvPicPr>
           <p:nvPr/>
         </p:nvPicPr>
@@ -12207,18 +12190,29 @@
               </a:ext>
             </a:extLst>
           </a:blip>
+          <a:srcRect/>
           <a:stretch>
             <a:fillRect/>
           </a:stretch>
         </p:blipFill>
-        <p:spPr>
-          <a:xfrm>
-            <a:off x="504825" y="1542420"/>
-            <a:ext cx="8134350" cy="4572000"/>
-          </a:xfrm>
-          <a:prstGeom prst="rect">
-            <a:avLst/>
-          </a:prstGeom>
+        <p:spPr bwMode="auto">
+          <a:xfrm>
+            <a:off x="554182" y="1436970"/>
+            <a:ext cx="8321962" cy="4677449"/>
+          </a:xfrm>
+          <a:prstGeom prst="rect">
+            <a:avLst/>
+          </a:prstGeom>
+          <a:noFill/>
+          <a:extLst>
+            <a:ext uri="{909E8E84-426E-40DD-AFC4-6F175D3DCCD1}">
+              <a14:hiddenFill xmlns:a14="http://schemas.microsoft.com/office/drawing/2010/main">
+                <a:solidFill>
+                  <a:srgbClr val="FFFFFF"/>
+                </a:solidFill>
+              </a14:hiddenFill>
+            </a:ext>
+          </a:extLst>
         </p:spPr>
       </p:pic>
     </p:spTree>
@@ -13391,8 +13385,8 @@
         </p:nvSpPr>
         <p:spPr>
           <a:xfrm>
-            <a:off x="-258618" y="1660839"/>
-            <a:ext cx="3140364" cy="1681018"/>
+            <a:off x="-258618" y="1660838"/>
+            <a:ext cx="3140364" cy="1895161"/>
           </a:xfrm>
           <a:prstGeom prst="rect">
             <a:avLst/>
@@ -13424,7 +13418,7 @@
                 <a:latin typeface="Tahoma"/>
                 <a:ea typeface="ＭＳ Ｐゴシック"/>
               </a:rPr>
-              <a:t>Diagramme de GANTT (1)</a:t>
+              <a:t>Diagramme de GANTT (semestre 1)</a:t>
             </a:r>
             <a:endParaRPr lang="fr-FR" sz="3400" b="0" strike="noStrike" spc="-1" dirty="0">
               <a:solidFill>

--- a/RVP1.pptx
+++ b/RVP1.pptx
@@ -17,10 +17,10 @@
     <p:sldId id="259" r:id="rId8"/>
     <p:sldId id="268" r:id="rId9"/>
     <p:sldId id="269" r:id="rId10"/>
-    <p:sldId id="262" r:id="rId11"/>
-    <p:sldId id="271" r:id="rId12"/>
-    <p:sldId id="272" r:id="rId13"/>
-    <p:sldId id="273" r:id="rId14"/>
+    <p:sldId id="273" r:id="rId11"/>
+    <p:sldId id="262" r:id="rId12"/>
+    <p:sldId id="271" r:id="rId13"/>
+    <p:sldId id="272" r:id="rId14"/>
     <p:sldId id="263" r:id="rId15"/>
     <p:sldId id="270" r:id="rId16"/>
     <p:sldId id="265" r:id="rId17"/>
@@ -7910,11 +7910,6 @@
               </a:rPr>
               <a:t>Ménard</a:t>
             </a:r>
-            <a:endParaRPr lang="fr-FR" dirty="0" smtClean="0">
-              <a:solidFill>
-                <a:schemeClr val="bg1"/>
-              </a:solidFill>
-            </a:endParaRPr>
           </a:p>
           <a:p>
             <a:r>
@@ -8189,66 +8184,9 @@
           </a:p>
         </p:txBody>
       </p:sp>
-      <p:sp>
-        <p:nvSpPr>
-          <p:cNvPr id="8" name="TextShape 1"/>
-          <p:cNvSpPr txBox="1"/>
-          <p:nvPr/>
-        </p:nvSpPr>
-        <p:spPr>
-          <a:xfrm>
-            <a:off x="-258618" y="1660839"/>
-            <a:ext cx="3140364" cy="1681018"/>
-          </a:xfrm>
-          <a:prstGeom prst="rect">
-            <a:avLst/>
-          </a:prstGeom>
-          <a:noFill/>
-          <a:ln>
-            <a:noFill/>
-          </a:ln>
-        </p:spPr>
-        <p:txBody>
-          <a:bodyPr anchor="ctr"/>
-          <a:lstStyle/>
-          <a:p>
-            <a:pPr algn="r">
-              <a:lnSpc>
-                <a:spcPct val="100000"/>
-              </a:lnSpc>
-            </a:pPr>
-            <a:r>
-              <a:rPr lang="fr-FR" sz="3400" b="0" strike="noStrike" spc="-1" dirty="0" smtClean="0">
-                <a:solidFill>
-                  <a:srgbClr val="96172E"/>
-                </a:solidFill>
-                <a:uFill>
-                  <a:solidFill>
-                    <a:srgbClr val="FFFFFF"/>
-                  </a:solidFill>
-                </a:uFill>
-                <a:latin typeface="Tahoma"/>
-                <a:ea typeface="ＭＳ Ｐゴシック"/>
-              </a:rPr>
-              <a:t>Diagramme de GANTT (semestre 2)</a:t>
-            </a:r>
-            <a:endParaRPr lang="fr-FR" sz="3400" b="0" strike="noStrike" spc="-1" dirty="0">
-              <a:solidFill>
-                <a:srgbClr val="000000"/>
-              </a:solidFill>
-              <a:uFill>
-                <a:solidFill>
-                  <a:srgbClr val="FFFFFF"/>
-                </a:solidFill>
-              </a:uFill>
-              <a:latin typeface="Calibri"/>
-            </a:endParaRPr>
-          </a:p>
-        </p:txBody>
-      </p:sp>
       <p:pic>
         <p:nvPicPr>
-          <p:cNvPr id="3078" name="Picture 6" descr="https://raw.githubusercontent.com/PingouinsECL/documents/master/GANTT-Sem2.png"/>
+          <p:cNvPr id="7" name="Picture 2" descr="https://raw.githubusercontent.com/PingouinsECL/documents/master/GANTT-Sem1.png"/>
           <p:cNvPicPr>
             <a:picLocks noChangeAspect="1" noChangeArrowheads="1"/>
           </p:cNvPicPr>
@@ -8269,8 +8207,8 @@
         </p:blipFill>
         <p:spPr bwMode="auto">
           <a:xfrm>
-            <a:off x="2881745" y="249381"/>
-            <a:ext cx="6068291" cy="6107139"/>
+            <a:off x="2881746" y="327194"/>
+            <a:ext cx="6181725" cy="6029326"/>
           </a:xfrm>
           <a:prstGeom prst="rect">
             <a:avLst/>
@@ -8287,10 +8225,67 @@
           </a:extLst>
         </p:spPr>
       </p:pic>
+      <p:sp>
+        <p:nvSpPr>
+          <p:cNvPr id="8" name="TextShape 1"/>
+          <p:cNvSpPr txBox="1"/>
+          <p:nvPr/>
+        </p:nvSpPr>
+        <p:spPr>
+          <a:xfrm>
+            <a:off x="-258618" y="1660838"/>
+            <a:ext cx="3140364" cy="1895161"/>
+          </a:xfrm>
+          <a:prstGeom prst="rect">
+            <a:avLst/>
+          </a:prstGeom>
+          <a:noFill/>
+          <a:ln>
+            <a:noFill/>
+          </a:ln>
+        </p:spPr>
+        <p:txBody>
+          <a:bodyPr anchor="ctr"/>
+          <a:lstStyle/>
+          <a:p>
+            <a:pPr algn="r">
+              <a:lnSpc>
+                <a:spcPct val="100000"/>
+              </a:lnSpc>
+            </a:pPr>
+            <a:r>
+              <a:rPr lang="fr-FR" sz="3400" b="0" strike="noStrike" spc="-1" dirty="0" smtClean="0">
+                <a:solidFill>
+                  <a:srgbClr val="96172E"/>
+                </a:solidFill>
+                <a:uFill>
+                  <a:solidFill>
+                    <a:srgbClr val="FFFFFF"/>
+                  </a:solidFill>
+                </a:uFill>
+                <a:latin typeface="Tahoma"/>
+                <a:ea typeface="ＭＳ Ｐゴシック"/>
+              </a:rPr>
+              <a:t>Diagramme de GANTT (semestre 1)</a:t>
+            </a:r>
+            <a:endParaRPr lang="fr-FR" sz="3400" b="0" strike="noStrike" spc="-1" dirty="0">
+              <a:solidFill>
+                <a:srgbClr val="000000"/>
+              </a:solidFill>
+              <a:uFill>
+                <a:solidFill>
+                  <a:srgbClr val="FFFFFF"/>
+                </a:solidFill>
+              </a:uFill>
+              <a:latin typeface="Calibri"/>
+            </a:endParaRPr>
+          </a:p>
+        </p:txBody>
+      </p:sp>
     </p:spTree>
     <p:extLst>
       <p:ext uri="{BB962C8B-B14F-4D97-AF65-F5344CB8AC3E}">
-        <p14:creationId xmlns:p14="http://schemas.microsoft.com/office/powerpoint/2010/main" val="4211094286"/>
+        <p14:creationId xmlns:p14="http://schemas.microsoft.com/office/powerpoint/2010/main" val="3164366897"/>
       </p:ext>
     </p:extLst>
   </p:cSld>
@@ -8346,63 +8341,6 @@
       </p:grpSpPr>
       <p:sp>
         <p:nvSpPr>
-          <p:cNvPr id="159" name="TextShape 1"/>
-          <p:cNvSpPr txBox="1"/>
-          <p:nvPr/>
-        </p:nvSpPr>
-        <p:spPr>
-          <a:xfrm>
-            <a:off x="2961000" y="174240"/>
-            <a:ext cx="3398236" cy="1142640"/>
-          </a:xfrm>
-          <a:prstGeom prst="rect">
-            <a:avLst/>
-          </a:prstGeom>
-          <a:noFill/>
-          <a:ln>
-            <a:noFill/>
-          </a:ln>
-        </p:spPr>
-        <p:txBody>
-          <a:bodyPr anchor="ctr"/>
-          <a:lstStyle/>
-          <a:p>
-            <a:pPr algn="r">
-              <a:lnSpc>
-                <a:spcPct val="100000"/>
-              </a:lnSpc>
-            </a:pPr>
-            <a:r>
-              <a:rPr lang="fr-FR" sz="3400" b="0" strike="noStrike" spc="-1" dirty="0" smtClean="0">
-                <a:solidFill>
-                  <a:srgbClr val="96172E"/>
-                </a:solidFill>
-                <a:uFill>
-                  <a:solidFill>
-                    <a:srgbClr val="FFFFFF"/>
-                  </a:solidFill>
-                </a:uFill>
-                <a:latin typeface="Tahoma"/>
-                <a:ea typeface="ＭＳ Ｐゴシック"/>
-              </a:rPr>
-              <a:t>Risques</a:t>
-            </a:r>
-            <a:endParaRPr lang="fr-FR" sz="3400" b="0" strike="noStrike" spc="-1" dirty="0">
-              <a:solidFill>
-                <a:srgbClr val="000000"/>
-              </a:solidFill>
-              <a:uFill>
-                <a:solidFill>
-                  <a:srgbClr val="FFFFFF"/>
-                </a:solidFill>
-              </a:uFill>
-              <a:latin typeface="Calibri"/>
-            </a:endParaRPr>
-          </a:p>
-        </p:txBody>
-      </p:sp>
-      <p:sp>
-        <p:nvSpPr>
           <p:cNvPr id="161" name="TextShape 3"/>
           <p:cNvSpPr txBox="1"/>
           <p:nvPr/>
@@ -8571,14 +8509,14 @@
       </p:sp>
       <p:sp>
         <p:nvSpPr>
-          <p:cNvPr id="7" name="TextShape 2"/>
+          <p:cNvPr id="8" name="TextShape 1"/>
           <p:cNvSpPr txBox="1"/>
           <p:nvPr/>
         </p:nvSpPr>
         <p:spPr>
           <a:xfrm>
-            <a:off x="374940" y="1764144"/>
-            <a:ext cx="8701560" cy="4592375"/>
+            <a:off x="-258618" y="1660839"/>
+            <a:ext cx="3140364" cy="1681018"/>
           </a:xfrm>
           <a:prstGeom prst="rect">
             <a:avLst/>
@@ -8589,48 +8527,18 @@
           </a:ln>
         </p:spPr>
         <p:txBody>
-          <a:bodyPr/>
-          <a:lstStyle/>
-          <a:p>
-            <a:pPr marL="343080" indent="-342720">
+          <a:bodyPr anchor="ctr"/>
+          <a:lstStyle/>
+          <a:p>
+            <a:pPr algn="r">
               <a:lnSpc>
                 <a:spcPct val="100000"/>
               </a:lnSpc>
-              <a:buClr>
-                <a:srgbClr val="96172E"/>
-              </a:buClr>
-              <a:buSzPct val="150000"/>
-              <a:buFont typeface="Arial"/>
-              <a:buChar char="•"/>
-            </a:pPr>
-            <a:endParaRPr lang="fr-FR" sz="2400" spc="-1" dirty="0">
-              <a:solidFill>
-                <a:srgbClr val="595959"/>
-              </a:solidFill>
-              <a:uFill>
-                <a:solidFill>
-                  <a:srgbClr val="FFFFFF"/>
-                </a:solidFill>
-              </a:uFill>
-              <a:latin typeface="Tahoma"/>
-            </a:endParaRPr>
-          </a:p>
-          <a:p>
-            <a:pPr marL="343080" indent="-342720">
-              <a:lnSpc>
-                <a:spcPct val="100000"/>
-              </a:lnSpc>
-              <a:buClr>
-                <a:srgbClr val="96172E"/>
-              </a:buClr>
-              <a:buSzPct val="150000"/>
-              <a:buFont typeface="Arial"/>
-              <a:buChar char="•"/>
             </a:pPr>
             <a:r>
-              <a:rPr lang="fr-FR" sz="2400" spc="-1" dirty="0" smtClean="0">
-                <a:solidFill>
-                  <a:srgbClr val="595959"/>
+              <a:rPr lang="fr-FR" sz="3400" b="0" strike="noStrike" spc="-1" dirty="0" smtClean="0">
+                <a:solidFill>
+                  <a:srgbClr val="96172E"/>
                 </a:solidFill>
                 <a:uFill>
                   <a:solidFill>
@@ -8638,176 +8546,69 @@
                   </a:solidFill>
                 </a:uFill>
                 <a:latin typeface="Tahoma"/>
+                <a:ea typeface="ＭＳ Ｐゴシック"/>
               </a:rPr>
-              <a:t>Initialisation du réseau de neurones délicate </a:t>
+              <a:t>Diagramme de GANTT (semestre 2)</a:t>
             </a:r>
-          </a:p>
-          <a:p>
-            <a:pPr marL="360">
-              <a:lnSpc>
-                <a:spcPct val="100000"/>
-              </a:lnSpc>
-              <a:buClr>
-                <a:srgbClr val="96172E"/>
-              </a:buClr>
-              <a:buSzPct val="150000"/>
-            </a:pPr>
-            <a:r>
-              <a:rPr lang="fr-FR" sz="2400" spc="-1" dirty="0" smtClean="0">
-                <a:solidFill>
-                  <a:srgbClr val="595959"/>
-                </a:solidFill>
-                <a:uFill>
-                  <a:solidFill>
-                    <a:srgbClr val="FFFFFF"/>
-                  </a:solidFill>
-                </a:uFill>
-                <a:latin typeface="Tahoma"/>
-                <a:sym typeface="Wingdings" panose="05000000000000000000" pitchFamily="2" charset="2"/>
-              </a:rPr>
-              <a:t> Performance de l’IA ?</a:t>
-            </a:r>
-          </a:p>
-          <a:p>
-            <a:pPr marL="343080" indent="-342720">
-              <a:lnSpc>
-                <a:spcPct val="100000"/>
-              </a:lnSpc>
-              <a:buClr>
-                <a:srgbClr val="96172E"/>
-              </a:buClr>
-              <a:buSzPct val="150000"/>
-              <a:buFont typeface="Arial"/>
-              <a:buChar char="•"/>
-            </a:pPr>
-            <a:endParaRPr lang="fr-FR" sz="2400" spc="-1" dirty="0" smtClean="0">
-              <a:solidFill>
-                <a:srgbClr val="595959"/>
-              </a:solidFill>
-              <a:uFill>
-                <a:solidFill>
-                  <a:srgbClr val="FFFFFF"/>
-                </a:solidFill>
-              </a:uFill>
-              <a:latin typeface="Tahoma"/>
-              <a:sym typeface="Wingdings" panose="05000000000000000000" pitchFamily="2" charset="2"/>
-            </a:endParaRPr>
-          </a:p>
-          <a:p>
-            <a:pPr marL="360">
-              <a:lnSpc>
-                <a:spcPct val="100000"/>
-              </a:lnSpc>
-              <a:buClr>
-                <a:srgbClr val="96172E"/>
-              </a:buClr>
-              <a:buSzPct val="150000"/>
-            </a:pPr>
-            <a:endParaRPr lang="fr-FR" sz="2400" spc="-1" dirty="0">
-              <a:solidFill>
-                <a:srgbClr val="595959"/>
-              </a:solidFill>
-              <a:uFill>
-                <a:solidFill>
-                  <a:srgbClr val="FFFFFF"/>
-                </a:solidFill>
-              </a:uFill>
-              <a:latin typeface="Tahoma"/>
-              <a:sym typeface="Wingdings" panose="05000000000000000000" pitchFamily="2" charset="2"/>
-            </a:endParaRPr>
-          </a:p>
-          <a:p>
-            <a:pPr marL="343080" indent="-342720">
-              <a:lnSpc>
-                <a:spcPct val="100000"/>
-              </a:lnSpc>
-              <a:buClr>
-                <a:srgbClr val="96172E"/>
-              </a:buClr>
-              <a:buSzPct val="150000"/>
-              <a:buFont typeface="Arial"/>
-              <a:buChar char="•"/>
-            </a:pPr>
-            <a:r>
-              <a:rPr lang="fr-FR" sz="2400" spc="-1" dirty="0" smtClean="0">
-                <a:solidFill>
-                  <a:srgbClr val="595959"/>
-                </a:solidFill>
-                <a:uFill>
-                  <a:solidFill>
-                    <a:srgbClr val="FFFFFF"/>
-                  </a:solidFill>
-                </a:uFill>
-                <a:latin typeface="Tahoma"/>
-                <a:sym typeface="Wingdings" panose="05000000000000000000" pitchFamily="2" charset="2"/>
-              </a:rPr>
-              <a:t>Publication non autorisée par les auteurs sur l’intranet du campus </a:t>
-            </a:r>
-            <a:endParaRPr lang="fr-FR" sz="2400" spc="-1" dirty="0" smtClean="0">
-              <a:solidFill>
-                <a:srgbClr val="595959"/>
-              </a:solidFill>
-              <a:uFill>
-                <a:solidFill>
-                  <a:srgbClr val="FFFFFF"/>
-                </a:solidFill>
-              </a:uFill>
-              <a:latin typeface="Tahoma"/>
-              <a:sym typeface="Wingdings" panose="05000000000000000000" pitchFamily="2" charset="2"/>
-            </a:endParaRPr>
-          </a:p>
-          <a:p>
-            <a:pPr marL="360">
-              <a:lnSpc>
-                <a:spcPct val="100000"/>
-              </a:lnSpc>
-              <a:buClr>
-                <a:srgbClr val="96172E"/>
-              </a:buClr>
-              <a:buSzPct val="150000"/>
-            </a:pPr>
-            <a:endParaRPr lang="fr-FR" sz="2400" spc="-1" dirty="0">
-              <a:solidFill>
-                <a:srgbClr val="595959"/>
-              </a:solidFill>
-              <a:uFill>
-                <a:solidFill>
-                  <a:srgbClr val="FFFFFF"/>
-                </a:solidFill>
-              </a:uFill>
-              <a:latin typeface="Tahoma"/>
-            </a:endParaRPr>
-          </a:p>
-          <a:p>
-            <a:pPr marL="343080" indent="-342720">
-              <a:lnSpc>
-                <a:spcPct val="100000"/>
-              </a:lnSpc>
-              <a:buClr>
-                <a:srgbClr val="96172E"/>
-              </a:buClr>
-              <a:buSzPct val="150000"/>
-              <a:buFont typeface="Arial"/>
-              <a:buChar char="•"/>
-            </a:pPr>
-            <a:endParaRPr lang="fr-FR" sz="2400" b="0" strike="noStrike" spc="-1" dirty="0">
-              <a:solidFill>
-                <a:srgbClr val="595959"/>
-              </a:solidFill>
-              <a:uFill>
-                <a:solidFill>
-                  <a:srgbClr val="FFFFFF"/>
-                </a:solidFill>
-              </a:uFill>
-              <a:latin typeface="Tahoma"/>
-            </a:endParaRPr>
-          </a:p>
-        </p:txBody>
-      </p:sp>
+            <a:endParaRPr lang="fr-FR" sz="3400" b="0" strike="noStrike" spc="-1" dirty="0">
+              <a:solidFill>
+                <a:srgbClr val="000000"/>
+              </a:solidFill>
+              <a:uFill>
+                <a:solidFill>
+                  <a:srgbClr val="FFFFFF"/>
+                </a:solidFill>
+              </a:uFill>
+              <a:latin typeface="Calibri"/>
+            </a:endParaRPr>
+          </a:p>
+        </p:txBody>
+      </p:sp>
+      <p:pic>
+        <p:nvPicPr>
+          <p:cNvPr id="3078" name="Picture 6" descr="https://raw.githubusercontent.com/PingouinsECL/documents/master/GANTT-Sem2.png"/>
+          <p:cNvPicPr>
+            <a:picLocks noChangeAspect="1" noChangeArrowheads="1"/>
+          </p:cNvPicPr>
+          <p:nvPr/>
+        </p:nvPicPr>
+        <p:blipFill>
+          <a:blip r:embed="rId2">
+            <a:extLst>
+              <a:ext uri="{28A0092B-C50C-407E-A947-70E740481C1C}">
+                <a14:useLocalDpi xmlns:a14="http://schemas.microsoft.com/office/drawing/2010/main" val="0"/>
+              </a:ext>
+            </a:extLst>
+          </a:blip>
+          <a:srcRect/>
+          <a:stretch>
+            <a:fillRect/>
+          </a:stretch>
+        </p:blipFill>
+        <p:spPr bwMode="auto">
+          <a:xfrm>
+            <a:off x="2881745" y="249381"/>
+            <a:ext cx="6068291" cy="6107139"/>
+          </a:xfrm>
+          <a:prstGeom prst="rect">
+            <a:avLst/>
+          </a:prstGeom>
+          <a:noFill/>
+          <a:extLst>
+            <a:ext uri="{909E8E84-426E-40DD-AFC4-6F175D3DCCD1}">
+              <a14:hiddenFill xmlns:a14="http://schemas.microsoft.com/office/drawing/2010/main">
+                <a:solidFill>
+                  <a:srgbClr val="FFFFFF"/>
+                </a:solidFill>
+              </a14:hiddenFill>
+            </a:ext>
+          </a:extLst>
+        </p:spPr>
+      </p:pic>
     </p:spTree>
     <p:extLst>
       <p:ext uri="{BB962C8B-B14F-4D97-AF65-F5344CB8AC3E}">
-        <p14:creationId xmlns:p14="http://schemas.microsoft.com/office/powerpoint/2010/main" val="2999116520"/>
+        <p14:creationId xmlns:p14="http://schemas.microsoft.com/office/powerpoint/2010/main" val="4211094286"/>
       </p:ext>
     </p:extLst>
   </p:cSld>
@@ -10836,7 +10637,7 @@
               <a:buAutoNum type="arabicPeriod"/>
             </a:pPr>
             <a:r>
-              <a:rPr lang="fr-FR" sz="2400" b="0" strike="noStrike" spc="-1" dirty="0">
+              <a:rPr lang="fr-FR" sz="2400" spc="-1" dirty="0" smtClean="0">
                 <a:solidFill>
                   <a:srgbClr val="595959"/>
                 </a:solidFill>
@@ -10864,7 +10665,7 @@
               <a:buAutoNum type="arabicPeriod"/>
             </a:pPr>
             <a:r>
-              <a:rPr lang="fr-FR" sz="2400" spc="-1" dirty="0">
+              <a:rPr lang="fr-FR" sz="2400" spc="-1" dirty="0" smtClean="0">
                 <a:solidFill>
                   <a:srgbClr val="595959"/>
                 </a:solidFill>
@@ -10876,7 +10677,7 @@
                 <a:latin typeface="Tahoma"/>
                 <a:ea typeface="ＭＳ Ｐゴシック"/>
               </a:rPr>
-              <a:t>Contraintes</a:t>
+              <a:t>Tâches </a:t>
             </a:r>
           </a:p>
           <a:p>
@@ -10892,7 +10693,7 @@
               <a:buAutoNum type="arabicPeriod"/>
             </a:pPr>
             <a:r>
-              <a:rPr lang="fr-FR" sz="2400" b="0" strike="noStrike" spc="-1" dirty="0">
+              <a:rPr lang="fr-FR" sz="2400" spc="-1" dirty="0" smtClean="0">
                 <a:solidFill>
                   <a:srgbClr val="595959"/>
                 </a:solidFill>
@@ -10904,22 +10705,7 @@
                 <a:latin typeface="Tahoma"/>
                 <a:ea typeface="ＭＳ Ｐゴシック"/>
               </a:rPr>
-              <a:t>Répartition</a:t>
-            </a:r>
-            <a:r>
-              <a:rPr lang="fr-FR" sz="2400" spc="-1" dirty="0">
-                <a:solidFill>
-                  <a:srgbClr val="595959"/>
-                </a:solidFill>
-                <a:uFill>
-                  <a:solidFill>
-                    <a:srgbClr val="FFFFFF"/>
-                  </a:solidFill>
-                </a:uFill>
-                <a:latin typeface="Tahoma"/>
-                <a:ea typeface="ＭＳ Ｐゴシック"/>
-              </a:rPr>
-              <a:t> des tâches</a:t>
+              <a:t>Budget</a:t>
             </a:r>
           </a:p>
           <a:p>
@@ -10935,7 +10721,7 @@
               <a:buAutoNum type="arabicPeriod"/>
             </a:pPr>
             <a:r>
-              <a:rPr lang="fr-FR" sz="2400" b="0" strike="noStrike" spc="-1" dirty="0">
+              <a:rPr lang="fr-FR" sz="2400" spc="-1" dirty="0" smtClean="0">
                 <a:solidFill>
                   <a:srgbClr val="595959"/>
                 </a:solidFill>
@@ -10947,7 +10733,7 @@
                 <a:latin typeface="Tahoma"/>
                 <a:ea typeface="ＭＳ Ｐゴシック"/>
               </a:rPr>
-              <a:t>Budget</a:t>
+              <a:t>Avancement</a:t>
             </a:r>
             <a:endParaRPr lang="fr-FR" sz="2400" spc="-1" dirty="0">
               <a:solidFill>
@@ -12791,14 +12577,14 @@
       </p:grpSpPr>
       <p:sp>
         <p:nvSpPr>
-          <p:cNvPr id="154" name="TextShape 1"/>
+          <p:cNvPr id="159" name="TextShape 1"/>
           <p:cNvSpPr txBox="1"/>
           <p:nvPr/>
         </p:nvSpPr>
         <p:spPr>
           <a:xfrm>
-            <a:off x="2960999" y="174240"/>
-            <a:ext cx="5002593" cy="1142640"/>
+            <a:off x="2961000" y="174240"/>
+            <a:ext cx="3398236" cy="1142640"/>
           </a:xfrm>
           <a:prstGeom prst="rect">
             <a:avLst/>
@@ -12818,7 +12604,7 @@
               </a:lnSpc>
             </a:pPr>
             <a:r>
-              <a:rPr lang="fr-FR" sz="3400" b="0" strike="noStrike" spc="-1" dirty="0">
+              <a:rPr lang="fr-FR" sz="3400" b="0" strike="noStrike" spc="-1" dirty="0" smtClean="0">
                 <a:solidFill>
                   <a:srgbClr val="96172E"/>
                 </a:solidFill>
@@ -12830,7 +12616,7 @@
                 <a:latin typeface="Tahoma"/>
                 <a:ea typeface="ＭＳ Ｐゴシック"/>
               </a:rPr>
-              <a:t>Répartition des tâches</a:t>
+              <a:t>Risques</a:t>
             </a:r>
             <a:endParaRPr lang="fr-FR" sz="3400" b="0" strike="noStrike" spc="-1" dirty="0">
               <a:solidFill>
@@ -12848,14 +12634,14 @@
       </p:sp>
       <p:sp>
         <p:nvSpPr>
-          <p:cNvPr id="155" name="TextShape 2"/>
+          <p:cNvPr id="161" name="TextShape 3"/>
           <p:cNvSpPr txBox="1"/>
           <p:nvPr/>
         </p:nvSpPr>
         <p:spPr>
           <a:xfrm>
-            <a:off x="322200" y="1633680"/>
-            <a:ext cx="8701560" cy="4525560"/>
+            <a:off x="3351240" y="6348240"/>
+            <a:ext cx="2453760" cy="364680"/>
           </a:xfrm>
           <a:prstGeom prst="rect">
             <a:avLst/>
@@ -12866,8 +12652,378 @@
           </a:ln>
         </p:spPr>
         <p:txBody>
+          <a:bodyPr anchor="ctr"/>
+          <a:lstStyle/>
+          <a:p>
+            <a:pPr algn="ctr">
+              <a:lnSpc>
+                <a:spcPct val="100000"/>
+              </a:lnSpc>
+            </a:pPr>
+            <a:r>
+              <a:rPr lang="en-US" sz="1050" b="0" strike="noStrike" spc="-1" dirty="0">
+                <a:solidFill>
+                  <a:srgbClr val="8B8B8B"/>
+                </a:solidFill>
+                <a:uFill>
+                  <a:solidFill>
+                    <a:srgbClr val="FFFFFF"/>
+                  </a:solidFill>
+                </a:uFill>
+                <a:latin typeface="Tahoma"/>
+              </a:rPr>
+              <a:t>RVP1</a:t>
+            </a:r>
+            <a:endParaRPr lang="en-US" sz="1400" b="0" strike="noStrike" spc="-1" dirty="0">
+              <a:solidFill>
+                <a:srgbClr val="000000"/>
+              </a:solidFill>
+              <a:uFill>
+                <a:solidFill>
+                  <a:srgbClr val="FFFFFF"/>
+                </a:solidFill>
+              </a:uFill>
+              <a:latin typeface="Times New Roman"/>
+            </a:endParaRPr>
+          </a:p>
+        </p:txBody>
+      </p:sp>
+      <p:sp>
+        <p:nvSpPr>
+          <p:cNvPr id="162" name="TextShape 4"/>
+          <p:cNvSpPr txBox="1"/>
+          <p:nvPr/>
+        </p:nvSpPr>
+        <p:spPr>
+          <a:xfrm>
+            <a:off x="6673680" y="6356520"/>
+            <a:ext cx="2133360" cy="364680"/>
+          </a:xfrm>
+          <a:prstGeom prst="rect">
+            <a:avLst/>
+          </a:prstGeom>
+          <a:noFill/>
+          <a:ln>
+            <a:noFill/>
+          </a:ln>
+        </p:spPr>
+        <p:txBody>
+          <a:bodyPr anchor="ctr"/>
+          <a:lstStyle/>
+          <a:p>
+            <a:pPr algn="r">
+              <a:lnSpc>
+                <a:spcPct val="100000"/>
+              </a:lnSpc>
+            </a:pPr>
+            <a:fld id="{D2EB3ACC-CFC8-4646-9120-2915942D7671}" type="slidenum">
+              <a:rPr lang="en-US" sz="1050" b="0" strike="noStrike" spc="-1">
+                <a:solidFill>
+                  <a:srgbClr val="8B8B8B"/>
+                </a:solidFill>
+                <a:uFill>
+                  <a:solidFill>
+                    <a:srgbClr val="FFFFFF"/>
+                  </a:solidFill>
+                </a:uFill>
+                <a:latin typeface="Tahoma"/>
+              </a:rPr>
+              <a:t>8</a:t>
+            </a:fld>
+            <a:endParaRPr lang="en-US" sz="1400" b="0" strike="noStrike" spc="-1">
+              <a:solidFill>
+                <a:srgbClr val="000000"/>
+              </a:solidFill>
+              <a:uFill>
+                <a:solidFill>
+                  <a:srgbClr val="FFFFFF"/>
+                </a:solidFill>
+              </a:uFill>
+              <a:latin typeface="Times New Roman"/>
+            </a:endParaRPr>
+          </a:p>
+        </p:txBody>
+      </p:sp>
+      <p:sp>
+        <p:nvSpPr>
+          <p:cNvPr id="163" name="TextShape 5"/>
+          <p:cNvSpPr txBox="1"/>
+          <p:nvPr/>
+        </p:nvSpPr>
+        <p:spPr>
+          <a:xfrm>
+            <a:off x="336600" y="6356520"/>
+            <a:ext cx="2133360" cy="364680"/>
+          </a:xfrm>
+          <a:prstGeom prst="rect">
+            <a:avLst/>
+          </a:prstGeom>
+          <a:noFill/>
+          <a:ln>
+            <a:noFill/>
+          </a:ln>
+        </p:spPr>
+        <p:txBody>
+          <a:bodyPr anchor="ctr"/>
+          <a:lstStyle/>
+          <a:p>
+            <a:pPr>
+              <a:lnSpc>
+                <a:spcPct val="100000"/>
+              </a:lnSpc>
+            </a:pPr>
+            <a:r>
+              <a:rPr lang="en-US" sz="1050" b="0" strike="noStrike" spc="-1" dirty="0">
+                <a:solidFill>
+                  <a:srgbClr val="8B8B8B"/>
+                </a:solidFill>
+                <a:uFill>
+                  <a:solidFill>
+                    <a:srgbClr val="FFFFFF"/>
+                  </a:solidFill>
+                </a:uFill>
+                <a:latin typeface="Tahoma"/>
+              </a:rPr>
+              <a:t>12/13/17</a:t>
+            </a:r>
+            <a:endParaRPr lang="en-US" sz="1400" b="0" strike="noStrike" spc="-1" dirty="0">
+              <a:solidFill>
+                <a:srgbClr val="000000"/>
+              </a:solidFill>
+              <a:uFill>
+                <a:solidFill>
+                  <a:srgbClr val="FFFFFF"/>
+                </a:solidFill>
+              </a:uFill>
+              <a:latin typeface="Times New Roman"/>
+            </a:endParaRPr>
+          </a:p>
+        </p:txBody>
+      </p:sp>
+      <p:sp>
+        <p:nvSpPr>
+          <p:cNvPr id="7" name="TextShape 2"/>
+          <p:cNvSpPr txBox="1"/>
+          <p:nvPr/>
+        </p:nvSpPr>
+        <p:spPr>
+          <a:xfrm>
+            <a:off x="374940" y="1764144"/>
+            <a:ext cx="8701560" cy="4592375"/>
+          </a:xfrm>
+          <a:prstGeom prst="rect">
+            <a:avLst/>
+          </a:prstGeom>
+          <a:noFill/>
+          <a:ln>
+            <a:noFill/>
+          </a:ln>
+        </p:spPr>
+        <p:txBody>
           <a:bodyPr/>
           <a:lstStyle/>
+          <a:p>
+            <a:pPr marL="343080" indent="-342720">
+              <a:lnSpc>
+                <a:spcPct val="100000"/>
+              </a:lnSpc>
+              <a:buClr>
+                <a:srgbClr val="96172E"/>
+              </a:buClr>
+              <a:buSzPct val="150000"/>
+              <a:buFont typeface="Arial"/>
+              <a:buChar char="•"/>
+            </a:pPr>
+            <a:endParaRPr lang="fr-FR" sz="2400" spc="-1" dirty="0">
+              <a:solidFill>
+                <a:srgbClr val="595959"/>
+              </a:solidFill>
+              <a:uFill>
+                <a:solidFill>
+                  <a:srgbClr val="FFFFFF"/>
+                </a:solidFill>
+              </a:uFill>
+              <a:latin typeface="Tahoma"/>
+            </a:endParaRPr>
+          </a:p>
+          <a:p>
+            <a:pPr marL="343080" indent="-342720">
+              <a:lnSpc>
+                <a:spcPct val="100000"/>
+              </a:lnSpc>
+              <a:buClr>
+                <a:srgbClr val="96172E"/>
+              </a:buClr>
+              <a:buSzPct val="150000"/>
+              <a:buFont typeface="Arial"/>
+              <a:buChar char="•"/>
+            </a:pPr>
+            <a:r>
+              <a:rPr lang="fr-FR" sz="2400" spc="-1" dirty="0" smtClean="0">
+                <a:solidFill>
+                  <a:srgbClr val="595959"/>
+                </a:solidFill>
+                <a:uFill>
+                  <a:solidFill>
+                    <a:srgbClr val="FFFFFF"/>
+                  </a:solidFill>
+                </a:uFill>
+                <a:latin typeface="Tahoma"/>
+              </a:rPr>
+              <a:t>Initialisation du réseau de neurones délicate </a:t>
+            </a:r>
+          </a:p>
+          <a:p>
+            <a:pPr marL="360">
+              <a:lnSpc>
+                <a:spcPct val="100000"/>
+              </a:lnSpc>
+              <a:buClr>
+                <a:srgbClr val="96172E"/>
+              </a:buClr>
+              <a:buSzPct val="150000"/>
+            </a:pPr>
+            <a:r>
+              <a:rPr lang="fr-FR" sz="2400" spc="-1" dirty="0" smtClean="0">
+                <a:solidFill>
+                  <a:srgbClr val="595959"/>
+                </a:solidFill>
+                <a:uFill>
+                  <a:solidFill>
+                    <a:srgbClr val="FFFFFF"/>
+                  </a:solidFill>
+                </a:uFill>
+                <a:latin typeface="Tahoma"/>
+                <a:sym typeface="Wingdings" panose="05000000000000000000" pitchFamily="2" charset="2"/>
+              </a:rPr>
+              <a:t> Performance de l’IA ?</a:t>
+            </a:r>
+          </a:p>
+          <a:p>
+            <a:pPr marL="343080" indent="-342720">
+              <a:lnSpc>
+                <a:spcPct val="100000"/>
+              </a:lnSpc>
+              <a:buClr>
+                <a:srgbClr val="96172E"/>
+              </a:buClr>
+              <a:buSzPct val="150000"/>
+              <a:buFont typeface="Arial"/>
+              <a:buChar char="•"/>
+            </a:pPr>
+            <a:endParaRPr lang="fr-FR" sz="2400" spc="-1" dirty="0" smtClean="0">
+              <a:solidFill>
+                <a:srgbClr val="595959"/>
+              </a:solidFill>
+              <a:uFill>
+                <a:solidFill>
+                  <a:srgbClr val="FFFFFF"/>
+                </a:solidFill>
+              </a:uFill>
+              <a:latin typeface="Tahoma"/>
+              <a:sym typeface="Wingdings" panose="05000000000000000000" pitchFamily="2" charset="2"/>
+            </a:endParaRPr>
+          </a:p>
+          <a:p>
+            <a:pPr marL="360">
+              <a:lnSpc>
+                <a:spcPct val="100000"/>
+              </a:lnSpc>
+              <a:buClr>
+                <a:srgbClr val="96172E"/>
+              </a:buClr>
+              <a:buSzPct val="150000"/>
+            </a:pPr>
+            <a:endParaRPr lang="fr-FR" sz="2400" spc="-1" dirty="0">
+              <a:solidFill>
+                <a:srgbClr val="595959"/>
+              </a:solidFill>
+              <a:uFill>
+                <a:solidFill>
+                  <a:srgbClr val="FFFFFF"/>
+                </a:solidFill>
+              </a:uFill>
+              <a:latin typeface="Tahoma"/>
+              <a:sym typeface="Wingdings" panose="05000000000000000000" pitchFamily="2" charset="2"/>
+            </a:endParaRPr>
+          </a:p>
+          <a:p>
+            <a:pPr marL="343080" indent="-342720">
+              <a:lnSpc>
+                <a:spcPct val="100000"/>
+              </a:lnSpc>
+              <a:buClr>
+                <a:srgbClr val="96172E"/>
+              </a:buClr>
+              <a:buSzPct val="150000"/>
+              <a:buFont typeface="Arial"/>
+              <a:buChar char="•"/>
+            </a:pPr>
+            <a:r>
+              <a:rPr lang="fr-FR" sz="2400" spc="-1" dirty="0" smtClean="0">
+                <a:solidFill>
+                  <a:srgbClr val="595959"/>
+                </a:solidFill>
+                <a:uFill>
+                  <a:solidFill>
+                    <a:srgbClr val="FFFFFF"/>
+                  </a:solidFill>
+                </a:uFill>
+                <a:latin typeface="Tahoma"/>
+                <a:sym typeface="Wingdings" panose="05000000000000000000" pitchFamily="2" charset="2"/>
+              </a:rPr>
+              <a:t>Publication non autorisée par les auteurs sur l’intranet du campus </a:t>
+            </a:r>
+            <a:r>
+              <a:rPr lang="fr-FR" sz="2400" spc="-1" dirty="0" smtClean="0">
+                <a:solidFill>
+                  <a:srgbClr val="595959"/>
+                </a:solidFill>
+                <a:uFill>
+                  <a:solidFill>
+                    <a:srgbClr val="FFFFFF"/>
+                  </a:solidFill>
+                </a:uFill>
+                <a:latin typeface="Tahoma"/>
+                <a:sym typeface="Wingdings" panose="05000000000000000000" pitchFamily="2" charset="2"/>
+              </a:rPr>
+              <a:t>?</a:t>
+            </a:r>
+            <a:endParaRPr lang="fr-FR" sz="2400" spc="-1" dirty="0" smtClean="0">
+              <a:solidFill>
+                <a:srgbClr val="595959"/>
+              </a:solidFill>
+              <a:uFill>
+                <a:solidFill>
+                  <a:srgbClr val="FFFFFF"/>
+                </a:solidFill>
+              </a:uFill>
+              <a:latin typeface="Tahoma"/>
+              <a:sym typeface="Wingdings" panose="05000000000000000000" pitchFamily="2" charset="2"/>
+            </a:endParaRPr>
+          </a:p>
+          <a:p>
+            <a:pPr marL="360">
+              <a:lnSpc>
+                <a:spcPct val="100000"/>
+              </a:lnSpc>
+              <a:buClr>
+                <a:srgbClr val="96172E"/>
+              </a:buClr>
+              <a:buSzPct val="150000"/>
+            </a:pPr>
+            <a:endParaRPr lang="fr-FR" sz="2400" spc="-1" dirty="0">
+              <a:solidFill>
+                <a:srgbClr val="595959"/>
+              </a:solidFill>
+              <a:uFill>
+                <a:solidFill>
+                  <a:srgbClr val="FFFFFF"/>
+                </a:solidFill>
+              </a:uFill>
+              <a:latin typeface="Tahoma"/>
+            </a:endParaRPr>
+          </a:p>
           <a:p>
             <a:pPr marL="343080" indent="-342720">
               <a:lnSpc>
@@ -12892,231 +13048,14 @@
               <a:latin typeface="Tahoma"/>
             </a:endParaRPr>
           </a:p>
-          <a:p>
-            <a:pPr>
-              <a:lnSpc>
-                <a:spcPct val="100000"/>
-              </a:lnSpc>
-            </a:pPr>
-            <a:endParaRPr lang="fr-FR" sz="2400" b="0" strike="noStrike" spc="-1" dirty="0">
-              <a:solidFill>
-                <a:srgbClr val="595959"/>
-              </a:solidFill>
-              <a:uFill>
-                <a:solidFill>
-                  <a:srgbClr val="FFFFFF"/>
-                </a:solidFill>
-              </a:uFill>
-              <a:latin typeface="Tahoma"/>
-            </a:endParaRPr>
-          </a:p>
-        </p:txBody>
-      </p:sp>
-      <p:sp>
-        <p:nvSpPr>
-          <p:cNvPr id="156" name="TextShape 3"/>
-          <p:cNvSpPr txBox="1"/>
-          <p:nvPr/>
-        </p:nvSpPr>
-        <p:spPr>
-          <a:xfrm>
-            <a:off x="3351240" y="6348240"/>
-            <a:ext cx="2453760" cy="364680"/>
-          </a:xfrm>
-          <a:prstGeom prst="rect">
-            <a:avLst/>
-          </a:prstGeom>
-          <a:noFill/>
-          <a:ln>
-            <a:noFill/>
-          </a:ln>
-        </p:spPr>
-        <p:txBody>
-          <a:bodyPr anchor="ctr"/>
-          <a:lstStyle/>
-          <a:p>
-            <a:pPr algn="ctr">
-              <a:lnSpc>
-                <a:spcPct val="100000"/>
-              </a:lnSpc>
-            </a:pPr>
-            <a:r>
-              <a:rPr lang="en-US" sz="1050" b="0" strike="noStrike" spc="-1" dirty="0">
-                <a:solidFill>
-                  <a:srgbClr val="8B8B8B"/>
-                </a:solidFill>
-                <a:uFill>
-                  <a:solidFill>
-                    <a:srgbClr val="FFFFFF"/>
-                  </a:solidFill>
-                </a:uFill>
-                <a:latin typeface="Tahoma"/>
-              </a:rPr>
-              <a:t>RVP1</a:t>
-            </a:r>
-            <a:endParaRPr lang="en-US" sz="1400" b="0" strike="noStrike" spc="-1" dirty="0">
-              <a:solidFill>
-                <a:srgbClr val="000000"/>
-              </a:solidFill>
-              <a:uFill>
-                <a:solidFill>
-                  <a:srgbClr val="FFFFFF"/>
-                </a:solidFill>
-              </a:uFill>
-              <a:latin typeface="Times New Roman"/>
-            </a:endParaRPr>
-          </a:p>
-        </p:txBody>
-      </p:sp>
-      <p:sp>
-        <p:nvSpPr>
-          <p:cNvPr id="157" name="TextShape 4"/>
-          <p:cNvSpPr txBox="1"/>
-          <p:nvPr/>
-        </p:nvSpPr>
-        <p:spPr>
-          <a:xfrm>
-            <a:off x="6673680" y="6356520"/>
-            <a:ext cx="2133360" cy="364680"/>
-          </a:xfrm>
-          <a:prstGeom prst="rect">
-            <a:avLst/>
-          </a:prstGeom>
-          <a:noFill/>
-          <a:ln>
-            <a:noFill/>
-          </a:ln>
-        </p:spPr>
-        <p:txBody>
-          <a:bodyPr anchor="ctr"/>
-          <a:lstStyle/>
-          <a:p>
-            <a:pPr algn="r">
-              <a:lnSpc>
-                <a:spcPct val="100000"/>
-              </a:lnSpc>
-            </a:pPr>
-            <a:fld id="{7F5D8BFA-8F18-42DE-85AF-5BC4E33C6426}" type="slidenum">
-              <a:rPr lang="en-US" sz="1050" b="0" strike="noStrike" spc="-1">
-                <a:solidFill>
-                  <a:srgbClr val="8B8B8B"/>
-                </a:solidFill>
-                <a:uFill>
-                  <a:solidFill>
-                    <a:srgbClr val="FFFFFF"/>
-                  </a:solidFill>
-                </a:uFill>
-                <a:latin typeface="Tahoma"/>
-              </a:rPr>
-              <a:t>8</a:t>
-            </a:fld>
-            <a:endParaRPr lang="en-US" sz="1400" b="0" strike="noStrike" spc="-1">
-              <a:solidFill>
-                <a:srgbClr val="000000"/>
-              </a:solidFill>
-              <a:uFill>
-                <a:solidFill>
-                  <a:srgbClr val="FFFFFF"/>
-                </a:solidFill>
-              </a:uFill>
-              <a:latin typeface="Times New Roman"/>
-            </a:endParaRPr>
-          </a:p>
-        </p:txBody>
-      </p:sp>
-      <p:sp>
-        <p:nvSpPr>
-          <p:cNvPr id="158" name="TextShape 5"/>
-          <p:cNvSpPr txBox="1"/>
-          <p:nvPr/>
-        </p:nvSpPr>
-        <p:spPr>
-          <a:xfrm>
-            <a:off x="336600" y="6356520"/>
-            <a:ext cx="2133360" cy="364680"/>
-          </a:xfrm>
-          <a:prstGeom prst="rect">
-            <a:avLst/>
-          </a:prstGeom>
-          <a:noFill/>
-          <a:ln>
-            <a:noFill/>
-          </a:ln>
-        </p:spPr>
-        <p:txBody>
-          <a:bodyPr anchor="ctr"/>
-          <a:lstStyle/>
-          <a:p>
-            <a:pPr>
-              <a:lnSpc>
-                <a:spcPct val="100000"/>
-              </a:lnSpc>
-            </a:pPr>
-            <a:r>
-              <a:rPr lang="en-US" sz="1050" b="0" strike="noStrike" spc="-1" dirty="0">
-                <a:solidFill>
-                  <a:srgbClr val="8B8B8B"/>
-                </a:solidFill>
-                <a:uFill>
-                  <a:solidFill>
-                    <a:srgbClr val="FFFFFF"/>
-                  </a:solidFill>
-                </a:uFill>
-                <a:latin typeface="Tahoma"/>
-              </a:rPr>
-              <a:t>12/13/17</a:t>
-            </a:r>
-            <a:endParaRPr lang="en-US" sz="1400" b="0" strike="noStrike" spc="-1" dirty="0">
-              <a:solidFill>
-                <a:srgbClr val="000000"/>
-              </a:solidFill>
-              <a:uFill>
-                <a:solidFill>
-                  <a:srgbClr val="FFFFFF"/>
-                </a:solidFill>
-              </a:uFill>
-              <a:latin typeface="Times New Roman"/>
-            </a:endParaRPr>
-          </a:p>
-        </p:txBody>
-      </p:sp>
-      <p:pic>
-        <p:nvPicPr>
-          <p:cNvPr id="3" name="Image 2">
-            <a:extLst>
-              <a:ext uri="{FF2B5EF4-FFF2-40B4-BE49-F238E27FC236}">
-                <a16:creationId xmlns:a16="http://schemas.microsoft.com/office/drawing/2014/main" id="{0CE2548D-3262-4E13-9C45-9C69783CA2CB}"/>
-              </a:ext>
-            </a:extLst>
-          </p:cNvPr>
-          <p:cNvPicPr>
-            <a:picLocks noChangeAspect="1"/>
-          </p:cNvPicPr>
-          <p:nvPr/>
-        </p:nvPicPr>
-        <p:blipFill>
-          <a:blip r:embed="rId2">
-            <a:extLst>
-              <a:ext uri="{28A0092B-C50C-407E-A947-70E740481C1C}">
-                <a14:useLocalDpi xmlns:a14="http://schemas.microsoft.com/office/drawing/2010/main" val="0"/>
-              </a:ext>
-            </a:extLst>
-          </a:blip>
-          <a:stretch>
-            <a:fillRect/>
-          </a:stretch>
-        </p:blipFill>
-        <p:spPr>
-          <a:xfrm>
-            <a:off x="1261861" y="1305787"/>
-            <a:ext cx="6369223" cy="4853453"/>
-          </a:xfrm>
-          <a:prstGeom prst="rect">
-            <a:avLst/>
-          </a:prstGeom>
-        </p:spPr>
-      </p:pic>
+        </p:txBody>
+      </p:sp>
     </p:spTree>
+    <p:extLst>
+      <p:ext uri="{BB962C8B-B14F-4D97-AF65-F5344CB8AC3E}">
+        <p14:creationId xmlns:p14="http://schemas.microsoft.com/office/powerpoint/2010/main" val="2999116520"/>
+      </p:ext>
+    </p:extLst>
   </p:cSld>
   <p:clrMapOvr>
     <a:masterClrMapping/>
@@ -13170,7 +13109,130 @@
       </p:grpSpPr>
       <p:sp>
         <p:nvSpPr>
-          <p:cNvPr id="161" name="TextShape 3"/>
+          <p:cNvPr id="154" name="TextShape 1"/>
+          <p:cNvSpPr txBox="1"/>
+          <p:nvPr/>
+        </p:nvSpPr>
+        <p:spPr>
+          <a:xfrm>
+            <a:off x="2960999" y="174240"/>
+            <a:ext cx="5002593" cy="1142640"/>
+          </a:xfrm>
+          <a:prstGeom prst="rect">
+            <a:avLst/>
+          </a:prstGeom>
+          <a:noFill/>
+          <a:ln>
+            <a:noFill/>
+          </a:ln>
+        </p:spPr>
+        <p:txBody>
+          <a:bodyPr anchor="ctr"/>
+          <a:lstStyle/>
+          <a:p>
+            <a:pPr algn="r">
+              <a:lnSpc>
+                <a:spcPct val="100000"/>
+              </a:lnSpc>
+            </a:pPr>
+            <a:r>
+              <a:rPr lang="fr-FR" sz="3400" b="0" strike="noStrike" spc="-1" dirty="0">
+                <a:solidFill>
+                  <a:srgbClr val="96172E"/>
+                </a:solidFill>
+                <a:uFill>
+                  <a:solidFill>
+                    <a:srgbClr val="FFFFFF"/>
+                  </a:solidFill>
+                </a:uFill>
+                <a:latin typeface="Tahoma"/>
+                <a:ea typeface="ＭＳ Ｐゴシック"/>
+              </a:rPr>
+              <a:t>Répartition des tâches</a:t>
+            </a:r>
+            <a:endParaRPr lang="fr-FR" sz="3400" b="0" strike="noStrike" spc="-1" dirty="0">
+              <a:solidFill>
+                <a:srgbClr val="000000"/>
+              </a:solidFill>
+              <a:uFill>
+                <a:solidFill>
+                  <a:srgbClr val="FFFFFF"/>
+                </a:solidFill>
+              </a:uFill>
+              <a:latin typeface="Calibri"/>
+            </a:endParaRPr>
+          </a:p>
+        </p:txBody>
+      </p:sp>
+      <p:sp>
+        <p:nvSpPr>
+          <p:cNvPr id="155" name="TextShape 2"/>
+          <p:cNvSpPr txBox="1"/>
+          <p:nvPr/>
+        </p:nvSpPr>
+        <p:spPr>
+          <a:xfrm>
+            <a:off x="322200" y="1633680"/>
+            <a:ext cx="8701560" cy="4525560"/>
+          </a:xfrm>
+          <a:prstGeom prst="rect">
+            <a:avLst/>
+          </a:prstGeom>
+          <a:noFill/>
+          <a:ln>
+            <a:noFill/>
+          </a:ln>
+        </p:spPr>
+        <p:txBody>
+          <a:bodyPr/>
+          <a:lstStyle/>
+          <a:p>
+            <a:pPr marL="343080" indent="-342720">
+              <a:lnSpc>
+                <a:spcPct val="100000"/>
+              </a:lnSpc>
+              <a:buClr>
+                <a:srgbClr val="96172E"/>
+              </a:buClr>
+              <a:buSzPct val="150000"/>
+              <a:buFont typeface="Arial"/>
+              <a:buChar char="•"/>
+            </a:pPr>
+            <a:endParaRPr lang="fr-FR" sz="2400" b="0" strike="noStrike" spc="-1" dirty="0">
+              <a:solidFill>
+                <a:srgbClr val="595959"/>
+              </a:solidFill>
+              <a:uFill>
+                <a:solidFill>
+                  <a:srgbClr val="FFFFFF"/>
+                </a:solidFill>
+              </a:uFill>
+              <a:latin typeface="Tahoma"/>
+            </a:endParaRPr>
+          </a:p>
+          <a:p>
+            <a:pPr>
+              <a:lnSpc>
+                <a:spcPct val="100000"/>
+              </a:lnSpc>
+            </a:pPr>
+            <a:endParaRPr lang="fr-FR" sz="2400" b="0" strike="noStrike" spc="-1" dirty="0">
+              <a:solidFill>
+                <a:srgbClr val="595959"/>
+              </a:solidFill>
+              <a:uFill>
+                <a:solidFill>
+                  <a:srgbClr val="FFFFFF"/>
+                </a:solidFill>
+              </a:uFill>
+              <a:latin typeface="Tahoma"/>
+            </a:endParaRPr>
+          </a:p>
+        </p:txBody>
+      </p:sp>
+      <p:sp>
+        <p:nvSpPr>
+          <p:cNvPr id="156" name="TextShape 3"/>
           <p:cNvSpPr txBox="1"/>
           <p:nvPr/>
         </p:nvSpPr>
@@ -13226,7 +13288,7 @@
       </p:sp>
       <p:sp>
         <p:nvSpPr>
-          <p:cNvPr id="162" name="TextShape 4"/>
+          <p:cNvPr id="157" name="TextShape 4"/>
           <p:cNvSpPr txBox="1"/>
           <p:nvPr/>
         </p:nvSpPr>
@@ -13252,7 +13314,7 @@
                 <a:spcPct val="100000"/>
               </a:lnSpc>
             </a:pPr>
-            <a:fld id="{D2EB3ACC-CFC8-4646-9120-2915942D7671}" type="slidenum">
+            <a:fld id="{7F5D8BFA-8F18-42DE-85AF-5BC4E33C6426}" type="slidenum">
               <a:rPr lang="en-US" sz="1050" b="0" strike="noStrike" spc="-1">
                 <a:solidFill>
                   <a:srgbClr val="8B8B8B"/>
@@ -13282,7 +13344,7 @@
       </p:sp>
       <p:sp>
         <p:nvSpPr>
-          <p:cNvPr id="163" name="TextShape 5"/>
+          <p:cNvPr id="158" name="TextShape 5"/>
           <p:cNvSpPr txBox="1"/>
           <p:nvPr/>
         </p:nvSpPr>
@@ -13338,7 +13400,7 @@
       </p:sp>
       <p:pic>
         <p:nvPicPr>
-          <p:cNvPr id="7" name="Picture 2" descr="https://raw.githubusercontent.com/PingouinsECL/documents/master/GANTT-Sem1.png"/>
+          <p:cNvPr id="1026" name="Picture 2" descr="https://raw.githubusercontent.com/PingouinsECL/documents/master/organigramme_responsabilite.png"/>
           <p:cNvPicPr>
             <a:picLocks noChangeAspect="1" noChangeArrowheads="1"/>
           </p:cNvPicPr>
@@ -13359,8 +13421,8 @@
         </p:blipFill>
         <p:spPr bwMode="auto">
           <a:xfrm>
-            <a:off x="2881746" y="327194"/>
-            <a:ext cx="6181725" cy="6029326"/>
+            <a:off x="610567" y="1316880"/>
+            <a:ext cx="8124825" cy="4883250"/>
           </a:xfrm>
           <a:prstGeom prst="rect">
             <a:avLst/>
@@ -13377,69 +13439,7 @@
           </a:extLst>
         </p:spPr>
       </p:pic>
-      <p:sp>
-        <p:nvSpPr>
-          <p:cNvPr id="8" name="TextShape 1"/>
-          <p:cNvSpPr txBox="1"/>
-          <p:nvPr/>
-        </p:nvSpPr>
-        <p:spPr>
-          <a:xfrm>
-            <a:off x="-258618" y="1660838"/>
-            <a:ext cx="3140364" cy="1895161"/>
-          </a:xfrm>
-          <a:prstGeom prst="rect">
-            <a:avLst/>
-          </a:prstGeom>
-          <a:noFill/>
-          <a:ln>
-            <a:noFill/>
-          </a:ln>
-        </p:spPr>
-        <p:txBody>
-          <a:bodyPr anchor="ctr"/>
-          <a:lstStyle/>
-          <a:p>
-            <a:pPr algn="r">
-              <a:lnSpc>
-                <a:spcPct val="100000"/>
-              </a:lnSpc>
-            </a:pPr>
-            <a:r>
-              <a:rPr lang="fr-FR" sz="3400" b="0" strike="noStrike" spc="-1" dirty="0" smtClean="0">
-                <a:solidFill>
-                  <a:srgbClr val="96172E"/>
-                </a:solidFill>
-                <a:uFill>
-                  <a:solidFill>
-                    <a:srgbClr val="FFFFFF"/>
-                  </a:solidFill>
-                </a:uFill>
-                <a:latin typeface="Tahoma"/>
-                <a:ea typeface="ＭＳ Ｐゴシック"/>
-              </a:rPr>
-              <a:t>Diagramme de GANTT (semestre 1)</a:t>
-            </a:r>
-            <a:endParaRPr lang="fr-FR" sz="3400" b="0" strike="noStrike" spc="-1" dirty="0">
-              <a:solidFill>
-                <a:srgbClr val="000000"/>
-              </a:solidFill>
-              <a:uFill>
-                <a:solidFill>
-                  <a:srgbClr val="FFFFFF"/>
-                </a:solidFill>
-              </a:uFill>
-              <a:latin typeface="Calibri"/>
-            </a:endParaRPr>
-          </a:p>
-        </p:txBody>
-      </p:sp>
     </p:spTree>
-    <p:extLst>
-      <p:ext uri="{BB962C8B-B14F-4D97-AF65-F5344CB8AC3E}">
-        <p14:creationId xmlns:p14="http://schemas.microsoft.com/office/powerpoint/2010/main" val="3164366897"/>
-      </p:ext>
-    </p:extLst>
   </p:cSld>
   <p:clrMapOvr>
     <a:masterClrMapping/>
